--- a/Шаблон для презентации.pptx
+++ b/Шаблон для презентации.pptx
@@ -80,7 +80,7 @@
         <p:txBody>
           <a:bodyPr/>
           <a:p>
-            <a:fld id="{CB5B1FA3-93AD-4AFD-9533-EED6D5FD4910}" type="slidenum">
+            <a:fld id="{48D87EC0-7CC6-44C7-B15F-BBCFA854B8D3}" type="slidenum">
               <a:t>&lt;#&gt;</a:t>
             </a:fld>
           </a:p>
@@ -142,7 +142,7 @@
         <p:spPr>
           <a:xfrm>
             <a:off x="228600" y="-1139760"/>
-            <a:ext cx="4114080" cy="3125160"/>
+            <a:ext cx="4113720" cy="3125160"/>
           </a:xfrm>
           <a:prstGeom prst="rect">
             <a:avLst/>
@@ -289,7 +289,7 @@
         <p:txBody>
           <a:bodyPr/>
           <a:p>
-            <a:fld id="{D4ED885E-BFD9-4FE1-8C6A-7F37C2159623}" type="slidenum">
+            <a:fld id="{FE01BCF2-24E7-4E22-97B6-2E2636128CCB}" type="slidenum">
               <a:t>&lt;#&gt;</a:t>
             </a:fld>
           </a:p>
@@ -351,7 +351,7 @@
         <p:spPr>
           <a:xfrm>
             <a:off x="228600" y="-1139760"/>
-            <a:ext cx="4114080" cy="3125160"/>
+            <a:ext cx="4113720" cy="3125160"/>
           </a:xfrm>
           <a:prstGeom prst="rect">
             <a:avLst/>
@@ -584,7 +584,7 @@
         <p:txBody>
           <a:bodyPr/>
           <a:p>
-            <a:fld id="{B995BAEC-C855-40C6-86B3-E5BF146B9AF1}" type="slidenum">
+            <a:fld id="{5631833A-747E-42FE-979E-05CFE9E9CAEA}" type="slidenum">
               <a:t>&lt;#&gt;</a:t>
             </a:fld>
           </a:p>
@@ -646,7 +646,7 @@
         <p:spPr>
           <a:xfrm>
             <a:off x="228600" y="-1139760"/>
-            <a:ext cx="4114080" cy="3125160"/>
+            <a:ext cx="4113720" cy="3125160"/>
           </a:xfrm>
           <a:prstGeom prst="rect">
             <a:avLst/>
@@ -965,7 +965,7 @@
         <p:txBody>
           <a:bodyPr/>
           <a:p>
-            <a:fld id="{245226A7-8277-4B6C-B513-60A334309122}" type="slidenum">
+            <a:fld id="{D9B70A12-8ABF-4408-A6C9-8E9913499EB8}" type="slidenum">
               <a:t>&lt;#&gt;</a:t>
             </a:fld>
           </a:p>
@@ -1048,7 +1048,7 @@
         <p:txBody>
           <a:bodyPr/>
           <a:p>
-            <a:fld id="{74706445-CB49-460F-91EC-611482F1971A}" type="slidenum">
+            <a:fld id="{00985FD1-D8C1-4653-9C6A-01D0E8C56AFF}" type="slidenum">
               <a:t>&lt;#&gt;</a:t>
             </a:fld>
           </a:p>
@@ -1110,7 +1110,7 @@
         <p:spPr>
           <a:xfrm>
             <a:off x="228600" y="-1139760"/>
-            <a:ext cx="4114080" cy="3125160"/>
+            <a:ext cx="4113720" cy="3125160"/>
           </a:xfrm>
           <a:prstGeom prst="rect">
             <a:avLst/>
@@ -1211,7 +1211,7 @@
         <p:txBody>
           <a:bodyPr/>
           <a:p>
-            <a:fld id="{6ACEB5EC-B349-4FB7-A920-17974E3B563F}" type="slidenum">
+            <a:fld id="{8630599F-81F9-47D0-A41E-580CBEB00B0C}" type="slidenum">
               <a:t>&lt;#&gt;</a:t>
             </a:fld>
           </a:p>
@@ -1273,7 +1273,7 @@
         <p:spPr>
           <a:xfrm>
             <a:off x="228600" y="-1139760"/>
-            <a:ext cx="4114080" cy="3125160"/>
+            <a:ext cx="4113720" cy="3125160"/>
           </a:xfrm>
           <a:prstGeom prst="rect">
             <a:avLst/>
@@ -1377,7 +1377,7 @@
         <p:txBody>
           <a:bodyPr/>
           <a:p>
-            <a:fld id="{C195869C-CBF3-4E49-BD3F-88F3395FD433}" type="slidenum">
+            <a:fld id="{6AEDC76C-53C3-419A-98A4-F6915D1B75D0}" type="slidenum">
               <a:t>&lt;#&gt;</a:t>
             </a:fld>
           </a:p>
@@ -1439,7 +1439,7 @@
         <p:spPr>
           <a:xfrm>
             <a:off x="228600" y="-1139760"/>
-            <a:ext cx="4114080" cy="3125160"/>
+            <a:ext cx="4113720" cy="3125160"/>
           </a:xfrm>
           <a:prstGeom prst="rect">
             <a:avLst/>
@@ -1586,7 +1586,7 @@
         <p:txBody>
           <a:bodyPr/>
           <a:p>
-            <a:fld id="{1571D284-E5B4-402C-A504-9EED82033A57}" type="slidenum">
+            <a:fld id="{F790FD80-CC8B-44EE-8B2F-9089F3CB15D7}" type="slidenum">
               <a:t>&lt;#&gt;</a:t>
             </a:fld>
           </a:p>
@@ -1648,7 +1648,7 @@
         <p:spPr>
           <a:xfrm>
             <a:off x="228600" y="-1139760"/>
-            <a:ext cx="4114080" cy="3125160"/>
+            <a:ext cx="4113720" cy="3125160"/>
           </a:xfrm>
           <a:prstGeom prst="rect">
             <a:avLst/>
@@ -1709,7 +1709,7 @@
         <p:txBody>
           <a:bodyPr/>
           <a:p>
-            <a:fld id="{3A2D592D-1286-4BF4-80B4-62C7ECA77910}" type="slidenum">
+            <a:fld id="{A46884EA-7468-4637-9D52-1A89839380D0}" type="slidenum">
               <a:t>&lt;#&gt;</a:t>
             </a:fld>
           </a:p>
@@ -1770,8 +1770,8 @@
         </p:nvSpPr>
         <p:spPr>
           <a:xfrm>
-            <a:off x="228600" y="137160"/>
-            <a:ext cx="4114080" cy="2647800"/>
+            <a:off x="228600" y="959400"/>
+            <a:ext cx="4113720" cy="10287360"/>
           </a:xfrm>
           <a:prstGeom prst="rect">
             <a:avLst/>
@@ -1830,7 +1830,7 @@
         <p:txBody>
           <a:bodyPr/>
           <a:p>
-            <a:fld id="{25C3C3C3-683D-4EE3-89A2-1F836A826FB1}" type="slidenum">
+            <a:fld id="{E0402CD4-2B02-4575-80D0-80E836DF440D}" type="slidenum">
               <a:t>&lt;#&gt;</a:t>
             </a:fld>
           </a:p>
@@ -1892,7 +1892,7 @@
         <p:spPr>
           <a:xfrm>
             <a:off x="228600" y="-1139760"/>
-            <a:ext cx="4114080" cy="3125160"/>
+            <a:ext cx="4113720" cy="3125160"/>
           </a:xfrm>
           <a:prstGeom prst="rect">
             <a:avLst/>
@@ -2082,7 +2082,7 @@
         <p:txBody>
           <a:bodyPr/>
           <a:p>
-            <a:fld id="{2D8FD9F7-DD20-450E-846F-3B0969C0D5E5}" type="slidenum">
+            <a:fld id="{38190A29-A362-43B3-93E5-35610D4B7DE1}" type="slidenum">
               <a:t>&lt;#&gt;</a:t>
             </a:fld>
           </a:p>
@@ -2144,7 +2144,7 @@
         <p:spPr>
           <a:xfrm>
             <a:off x="228600" y="-1139760"/>
-            <a:ext cx="4114080" cy="3125160"/>
+            <a:ext cx="4113720" cy="3125160"/>
           </a:xfrm>
           <a:prstGeom prst="rect">
             <a:avLst/>
@@ -2245,7 +2245,7 @@
         <p:txBody>
           <a:bodyPr/>
           <a:p>
-            <a:fld id="{C99E5942-4D5C-49FD-98CF-E8EAA77F0EB7}" type="slidenum">
+            <a:fld id="{2DFC9914-2F10-498A-907C-BD70E39D44B8}" type="slidenum">
               <a:t>&lt;#&gt;</a:t>
             </a:fld>
           </a:p>
@@ -2307,7 +2307,7 @@
         <p:spPr>
           <a:xfrm>
             <a:off x="228600" y="-1139760"/>
-            <a:ext cx="4114080" cy="3125160"/>
+            <a:ext cx="4113720" cy="3125160"/>
           </a:xfrm>
           <a:prstGeom prst="rect">
             <a:avLst/>
@@ -2497,7 +2497,7 @@
         <p:txBody>
           <a:bodyPr/>
           <a:p>
-            <a:fld id="{95C7D72C-3E8B-46B5-890A-93AFFC87039D}" type="slidenum">
+            <a:fld id="{54906FF9-B0FF-4BF6-9DB7-DFED3C633195}" type="slidenum">
               <a:t>&lt;#&gt;</a:t>
             </a:fld>
           </a:p>
@@ -2559,7 +2559,7 @@
         <p:spPr>
           <a:xfrm>
             <a:off x="228600" y="-1139760"/>
-            <a:ext cx="4114080" cy="3125160"/>
+            <a:ext cx="4113720" cy="3125160"/>
           </a:xfrm>
           <a:prstGeom prst="rect">
             <a:avLst/>
@@ -2749,7 +2749,7 @@
         <p:txBody>
           <a:bodyPr/>
           <a:p>
-            <a:fld id="{CC37CAF9-38F2-47AF-8108-25B8B8C46A9F}" type="slidenum">
+            <a:fld id="{12112A29-92FA-4EC4-8394-1CD15DEBAF8A}" type="slidenum">
               <a:t>&lt;#&gt;</a:t>
             </a:fld>
           </a:p>
@@ -2811,7 +2811,7 @@
         <p:spPr>
           <a:xfrm>
             <a:off x="228600" y="-1139760"/>
-            <a:ext cx="4114080" cy="3125160"/>
+            <a:ext cx="4113720" cy="3125160"/>
           </a:xfrm>
           <a:prstGeom prst="rect">
             <a:avLst/>
@@ -2958,7 +2958,7 @@
         <p:txBody>
           <a:bodyPr/>
           <a:p>
-            <a:fld id="{A296FB98-BDE8-48D0-9900-B819BA1DBBB5}" type="slidenum">
+            <a:fld id="{086CB4C5-8EAA-49D5-A27E-A655CE268843}" type="slidenum">
               <a:t>&lt;#&gt;</a:t>
             </a:fld>
           </a:p>
@@ -3020,7 +3020,7 @@
         <p:spPr>
           <a:xfrm>
             <a:off x="228600" y="-1139760"/>
-            <a:ext cx="4114080" cy="3125160"/>
+            <a:ext cx="4113720" cy="3125160"/>
           </a:xfrm>
           <a:prstGeom prst="rect">
             <a:avLst/>
@@ -3253,7 +3253,7 @@
         <p:txBody>
           <a:bodyPr/>
           <a:p>
-            <a:fld id="{0D5AD1E4-AB23-4DC9-B815-EB59E6F00E64}" type="slidenum">
+            <a:fld id="{9414CCA3-E738-41F0-A33E-A328277BE9C1}" type="slidenum">
               <a:t>&lt;#&gt;</a:t>
             </a:fld>
           </a:p>
@@ -3315,7 +3315,7 @@
         <p:spPr>
           <a:xfrm>
             <a:off x="228600" y="-1139760"/>
-            <a:ext cx="4114080" cy="3125160"/>
+            <a:ext cx="4113720" cy="3125160"/>
           </a:xfrm>
           <a:prstGeom prst="rect">
             <a:avLst/>
@@ -3634,7 +3634,7 @@
         <p:txBody>
           <a:bodyPr/>
           <a:p>
-            <a:fld id="{D581F6E5-223F-4910-885F-9E0022B47F3E}" type="slidenum">
+            <a:fld id="{19768676-6FB3-4CB8-A2F6-FFDA6B4B5FC4}" type="slidenum">
               <a:t>&lt;#&gt;</a:t>
             </a:fld>
           </a:p>
@@ -3696,7 +3696,7 @@
         <p:spPr>
           <a:xfrm>
             <a:off x="228600" y="-1139760"/>
-            <a:ext cx="4114080" cy="3125160"/>
+            <a:ext cx="4113720" cy="3125160"/>
           </a:xfrm>
           <a:prstGeom prst="rect">
             <a:avLst/>
@@ -3800,7 +3800,7 @@
         <p:txBody>
           <a:bodyPr/>
           <a:p>
-            <a:fld id="{69514562-E403-43DF-8EE6-402C5444CE47}" type="slidenum">
+            <a:fld id="{628E36F7-97A4-4E21-995E-2EE3331BA598}" type="slidenum">
               <a:t>&lt;#&gt;</a:t>
             </a:fld>
           </a:p>
@@ -3862,7 +3862,7 @@
         <p:spPr>
           <a:xfrm>
             <a:off x="228600" y="-1139760"/>
-            <a:ext cx="4114080" cy="3125160"/>
+            <a:ext cx="4113720" cy="3125160"/>
           </a:xfrm>
           <a:prstGeom prst="rect">
             <a:avLst/>
@@ -4009,7 +4009,7 @@
         <p:txBody>
           <a:bodyPr/>
           <a:p>
-            <a:fld id="{94B8D0DD-8521-49B1-8533-2B23E2CCC2BC}" type="slidenum">
+            <a:fld id="{C364D201-F87D-4126-BC7B-9E0FC6CBB65F}" type="slidenum">
               <a:t>&lt;#&gt;</a:t>
             </a:fld>
           </a:p>
@@ -4071,7 +4071,7 @@
         <p:spPr>
           <a:xfrm>
             <a:off x="228600" y="-1139760"/>
-            <a:ext cx="4114080" cy="3125160"/>
+            <a:ext cx="4113720" cy="3125160"/>
           </a:xfrm>
           <a:prstGeom prst="rect">
             <a:avLst/>
@@ -4132,7 +4132,7 @@
         <p:txBody>
           <a:bodyPr/>
           <a:p>
-            <a:fld id="{C3E0B073-7B87-45E9-88F6-A55342B65534}" type="slidenum">
+            <a:fld id="{E03B529E-9D17-4ECA-AAED-DD34C660FECF}" type="slidenum">
               <a:t>&lt;#&gt;</a:t>
             </a:fld>
           </a:p>
@@ -4193,8 +4193,8 @@
         </p:nvSpPr>
         <p:spPr>
           <a:xfrm>
-            <a:off x="228600" y="137160"/>
-            <a:ext cx="4114080" cy="2647800"/>
+            <a:off x="228600" y="959400"/>
+            <a:ext cx="4113720" cy="10287360"/>
           </a:xfrm>
           <a:prstGeom prst="rect">
             <a:avLst/>
@@ -4253,7 +4253,7 @@
         <p:txBody>
           <a:bodyPr/>
           <a:p>
-            <a:fld id="{56839631-4313-4BFF-8099-79EA1A1BDC82}" type="slidenum">
+            <a:fld id="{1399B5CA-FC4F-4ED0-AA66-631C8BC0B3FF}" type="slidenum">
               <a:t>&lt;#&gt;</a:t>
             </a:fld>
           </a:p>
@@ -4315,7 +4315,7 @@
         <p:spPr>
           <a:xfrm>
             <a:off x="228600" y="-1139760"/>
-            <a:ext cx="4114080" cy="3125160"/>
+            <a:ext cx="4113720" cy="3125160"/>
           </a:xfrm>
           <a:prstGeom prst="rect">
             <a:avLst/>
@@ -4505,7 +4505,7 @@
         <p:txBody>
           <a:bodyPr/>
           <a:p>
-            <a:fld id="{2A135F59-18E9-464D-9BA7-6BB59C7998BC}" type="slidenum">
+            <a:fld id="{DF61F231-1F4E-4E69-84A2-04BCBA6B9951}" type="slidenum">
               <a:t>&lt;#&gt;</a:t>
             </a:fld>
           </a:p>
@@ -4567,7 +4567,7 @@
         <p:spPr>
           <a:xfrm>
             <a:off x="228600" y="-1139760"/>
-            <a:ext cx="4114080" cy="3125160"/>
+            <a:ext cx="4113720" cy="3125160"/>
           </a:xfrm>
           <a:prstGeom prst="rect">
             <a:avLst/>
@@ -4757,7 +4757,7 @@
         <p:txBody>
           <a:bodyPr/>
           <a:p>
-            <a:fld id="{1532A06F-50EA-4B78-94A7-8576F370F618}" type="slidenum">
+            <a:fld id="{5D75A355-903C-41D5-9AC7-B104EC323201}" type="slidenum">
               <a:t>&lt;#&gt;</a:t>
             </a:fld>
           </a:p>
@@ -4819,7 +4819,7 @@
         <p:spPr>
           <a:xfrm>
             <a:off x="228600" y="-1139760"/>
-            <a:ext cx="4114080" cy="3125160"/>
+            <a:ext cx="4113720" cy="3125160"/>
           </a:xfrm>
           <a:prstGeom prst="rect">
             <a:avLst/>
@@ -5009,7 +5009,7 @@
         <p:txBody>
           <a:bodyPr/>
           <a:p>
-            <a:fld id="{35253783-567A-45AE-A226-F67A3DEEAC16}" type="slidenum">
+            <a:fld id="{C28BDBA3-8E76-4D94-B45E-83A1786DC198}" type="slidenum">
               <a:t>&lt;#&gt;</a:t>
             </a:fld>
           </a:p>
@@ -5072,62 +5072,13 @@
             <a:spLocks noGrp="1"/>
           </p:cNvSpPr>
           <p:nvPr>
-            <p:ph type="title"/>
-          </p:nvPr>
-        </p:nvSpPr>
-        <p:spPr>
-          <a:xfrm>
-            <a:off x="228600" y="137160"/>
-            <a:ext cx="4114080" cy="570960"/>
-          </a:xfrm>
-          <a:prstGeom prst="rect">
-            <a:avLst/>
-          </a:prstGeom>
-          <a:noFill/>
-          <a:ln w="0">
-            <a:noFill/>
-          </a:ln>
-        </p:spPr>
-        <p:txBody>
-          <a:bodyPr lIns="0" rIns="0" tIns="0" bIns="0" anchor="ctr">
-            <a:noAutofit/>
-          </a:bodyPr>
-          <a:p>
-            <a:pPr indent="0">
-              <a:buNone/>
-            </a:pPr>
-            <a:r>
-              <a:rPr b="0" lang="ru-RU" sz="1800" spc="-1" strike="noStrike">
-                <a:solidFill>
-                  <a:srgbClr val="000000"/>
-                </a:solidFill>
-                <a:latin typeface="Arial"/>
-              </a:rPr>
-              <a:t>Для правки текста заглавия щёлкните мышью</a:t>
-            </a:r>
-            <a:endParaRPr b="0" lang="ru-RU" sz="1800" spc="-1" strike="noStrike">
-              <a:solidFill>
-                <a:srgbClr val="000000"/>
-              </a:solidFill>
-              <a:latin typeface="Arial"/>
-            </a:endParaRPr>
-          </a:p>
-        </p:txBody>
-      </p:sp>
-      <p:sp>
-        <p:nvSpPr>
-          <p:cNvPr id="1" name="PlaceHolder 2"/>
-          <p:cNvSpPr>
-            <a:spLocks noGrp="1"/>
-          </p:cNvSpPr>
-          <p:nvPr>
             <p:ph type="ftr" idx="1"/>
           </p:nvPr>
         </p:nvSpPr>
         <p:spPr>
           <a:xfrm>
             <a:off x="1562040" y="3178080"/>
-            <a:ext cx="1447200" cy="181800"/>
+            <a:ext cx="1446840" cy="181440"/>
           </a:xfrm>
           <a:prstGeom prst="rect">
             <a:avLst/>
@@ -5175,7 +5126,7 @@
                 </a:solidFill>
                 <a:latin typeface="Times New Roman"/>
               </a:rPr>
-              <a:t> </a:t>
+              <a:t>&lt;нижний колонтитул&gt;</a:t>
             </a:r>
             <a:endParaRPr b="0" lang="ru-RU" sz="1400" spc="-1" strike="noStrike">
               <a:solidFill>
@@ -5188,7 +5139,7 @@
       </p:sp>
       <p:sp>
         <p:nvSpPr>
-          <p:cNvPr id="2" name="PlaceHolder 3"/>
+          <p:cNvPr id="1" name="PlaceHolder 2"/>
           <p:cNvSpPr>
             <a:spLocks noGrp="1"/>
           </p:cNvSpPr>
@@ -5199,7 +5150,7 @@
         <p:spPr>
           <a:xfrm>
             <a:off x="3276720" y="3178080"/>
-            <a:ext cx="1065960" cy="181800"/>
+            <a:ext cx="1065600" cy="181440"/>
           </a:xfrm>
           <a:prstGeom prst="rect">
             <a:avLst/>
@@ -5241,7 +5192,7 @@
                 <a:tab algn="l" pos="0"/>
               </a:tabLst>
             </a:pPr>
-            <a:fld id="{CD97BCC1-1050-4AC9-B6FC-30080F8B9143}" type="slidenum">
+            <a:fld id="{55E0A457-8C9D-4475-AE56-BFFD91A9E7E2}" type="slidenum">
               <a:rPr b="0" lang="en-US" sz="600" spc="-1" strike="noStrike">
                 <a:solidFill>
                   <a:srgbClr val="888888"/>
@@ -5249,7 +5200,7 @@
                 <a:latin typeface="Calibri"/>
                 <a:ea typeface="Calibri"/>
               </a:rPr>
-              <a:t>9</a:t>
+              <a:t>&lt;номер&gt;</a:t>
             </a:fld>
             <a:endParaRPr b="0" lang="ru-RU" sz="600" spc="-1" strike="noStrike">
               <a:solidFill>
@@ -5262,7 +5213,7 @@
       </p:sp>
       <p:sp>
         <p:nvSpPr>
-          <p:cNvPr id="3" name="PlaceHolder 4"/>
+          <p:cNvPr id="2" name="PlaceHolder 3"/>
           <p:cNvSpPr>
             <a:spLocks noGrp="1"/>
           </p:cNvSpPr>
@@ -5273,7 +5224,7 @@
         <p:spPr>
           <a:xfrm>
             <a:off x="228600" y="3178080"/>
-            <a:ext cx="1065960" cy="181800"/>
+            <a:ext cx="1065600" cy="181440"/>
           </a:xfrm>
           <a:prstGeom prst="rect">
             <a:avLst/>
@@ -5309,13 +5260,62 @@
                 </a:solidFill>
                 <a:latin typeface="Times New Roman"/>
               </a:rPr>
-              <a:t> </a:t>
+              <a:t>&lt;дата/время&gt;</a:t>
             </a:r>
             <a:endParaRPr b="0" lang="ru-RU" sz="1400" spc="-1" strike="noStrike">
               <a:solidFill>
                 <a:srgbClr val="000000"/>
               </a:solidFill>
               <a:latin typeface="Times New Roman"/>
+            </a:endParaRPr>
+          </a:p>
+        </p:txBody>
+      </p:sp>
+      <p:sp>
+        <p:nvSpPr>
+          <p:cNvPr id="3" name="PlaceHolder 4"/>
+          <p:cNvSpPr>
+            <a:spLocks noGrp="1"/>
+          </p:cNvSpPr>
+          <p:nvPr>
+            <p:ph type="title"/>
+          </p:nvPr>
+        </p:nvSpPr>
+        <p:spPr>
+          <a:xfrm>
+            <a:off x="457200" y="205200"/>
+            <a:ext cx="8229240" cy="858600"/>
+          </a:xfrm>
+          <a:prstGeom prst="rect">
+            <a:avLst/>
+          </a:prstGeom>
+          <a:noFill/>
+          <a:ln w="0">
+            <a:noFill/>
+          </a:ln>
+        </p:spPr>
+        <p:txBody>
+          <a:bodyPr lIns="0" rIns="0" tIns="0" bIns="0" anchor="ctr">
+            <a:noAutofit/>
+          </a:bodyPr>
+          <a:p>
+            <a:pPr indent="0" algn="ctr">
+              <a:buNone/>
+            </a:pPr>
+            <a:r>
+              <a:rPr b="0" lang="ru-RU" sz="4400" spc="-1" strike="noStrike">
+                <a:solidFill>
+                  <a:srgbClr val="000000"/>
+                </a:solidFill>
+                <a:latin typeface="Arial"/>
+              </a:rPr>
+              <a:t>Для правки текста заглавия щёлкните мышью</a:t>
+            </a:r>
+            <a:endParaRPr b="0" lang="ru-RU" sz="4400" spc="-1" strike="noStrike">
+              <a:solidFill>
+                <a:srgbClr val="000000"/>
+              </a:solidFill>
+              <a:latin typeface="Arial"/>
             </a:endParaRPr>
           </a:p>
         </p:txBody>
@@ -5596,13 +5596,62 @@
             <a:spLocks noGrp="1"/>
           </p:cNvSpPr>
           <p:nvPr>
+            <p:ph type="title"/>
+          </p:nvPr>
+        </p:nvSpPr>
+        <p:spPr>
+          <a:xfrm>
+            <a:off x="228600" y="-1139760"/>
+            <a:ext cx="4113720" cy="3124800"/>
+          </a:xfrm>
+          <a:prstGeom prst="rect">
+            <a:avLst/>
+          </a:prstGeom>
+          <a:noFill/>
+          <a:ln w="0">
+            <a:noFill/>
+          </a:ln>
+        </p:spPr>
+        <p:txBody>
+          <a:bodyPr lIns="0" rIns="0" tIns="0" bIns="0" anchor="ctr">
+            <a:noAutofit/>
+          </a:bodyPr>
+          <a:p>
+            <a:pPr indent="0">
+              <a:buNone/>
+            </a:pPr>
+            <a:r>
+              <a:rPr b="0" lang="ru-RU" sz="1800" spc="-1" strike="noStrike">
+                <a:solidFill>
+                  <a:srgbClr val="000000"/>
+                </a:solidFill>
+                <a:latin typeface="Arial"/>
+              </a:rPr>
+              <a:t>Для правки текста заглавия щёлкните мышью</a:t>
+            </a:r>
+            <a:endParaRPr b="0" lang="ru-RU" sz="1800" spc="-1" strike="noStrike">
+              <a:solidFill>
+                <a:srgbClr val="000000"/>
+              </a:solidFill>
+              <a:latin typeface="Arial"/>
+            </a:endParaRPr>
+          </a:p>
+        </p:txBody>
+      </p:sp>
+      <p:sp>
+        <p:nvSpPr>
+          <p:cNvPr id="42" name="PlaceHolder 2"/>
+          <p:cNvSpPr>
+            <a:spLocks noGrp="1"/>
+          </p:cNvSpPr>
+          <p:nvPr>
             <p:ph type="ftr" idx="4"/>
           </p:nvPr>
         </p:nvSpPr>
         <p:spPr>
           <a:xfrm>
             <a:off x="1562040" y="3178080"/>
-            <a:ext cx="1447200" cy="181800"/>
+            <a:ext cx="1446840" cy="181440"/>
           </a:xfrm>
           <a:prstGeom prst="rect">
             <a:avLst/>
@@ -5663,7 +5712,7 @@
       </p:sp>
       <p:sp>
         <p:nvSpPr>
-          <p:cNvPr id="42" name="PlaceHolder 2"/>
+          <p:cNvPr id="43" name="PlaceHolder 3"/>
           <p:cNvSpPr>
             <a:spLocks noGrp="1"/>
           </p:cNvSpPr>
@@ -5674,7 +5723,7 @@
         <p:spPr>
           <a:xfrm>
             <a:off x="3276720" y="3178080"/>
-            <a:ext cx="1065960" cy="181800"/>
+            <a:ext cx="1065600" cy="181440"/>
           </a:xfrm>
           <a:prstGeom prst="rect">
             <a:avLst/>
@@ -5716,7 +5765,7 @@
                 <a:tab algn="l" pos="0"/>
               </a:tabLst>
             </a:pPr>
-            <a:fld id="{D9718087-F027-4E80-A629-AEBF8D44CF9B}" type="slidenum">
+            <a:fld id="{C45AAF70-0A25-4611-BDD4-6084B3870B58}" type="slidenum">
               <a:rPr b="0" lang="en-US" sz="600" spc="-1" strike="noStrike">
                 <a:solidFill>
                   <a:srgbClr val="888888"/>
@@ -5737,7 +5786,7 @@
       </p:sp>
       <p:sp>
         <p:nvSpPr>
-          <p:cNvPr id="43" name="PlaceHolder 3"/>
+          <p:cNvPr id="44" name="PlaceHolder 4"/>
           <p:cNvSpPr>
             <a:spLocks noGrp="1"/>
           </p:cNvSpPr>
@@ -5748,7 +5797,7 @@
         <p:spPr>
           <a:xfrm>
             <a:off x="228600" y="3178080"/>
-            <a:ext cx="1065960" cy="181800"/>
+            <a:ext cx="1065600" cy="181440"/>
           </a:xfrm>
           <a:prstGeom prst="rect">
             <a:avLst/>
@@ -5791,55 +5840,6 @@
                 <a:srgbClr val="000000"/>
               </a:solidFill>
               <a:latin typeface="Times New Roman"/>
-            </a:endParaRPr>
-          </a:p>
-        </p:txBody>
-      </p:sp>
-      <p:sp>
-        <p:nvSpPr>
-          <p:cNvPr id="44" name="PlaceHolder 4"/>
-          <p:cNvSpPr>
-            <a:spLocks noGrp="1"/>
-          </p:cNvSpPr>
-          <p:nvPr>
-            <p:ph type="title"/>
-          </p:nvPr>
-        </p:nvSpPr>
-        <p:spPr>
-          <a:xfrm>
-            <a:off x="457200" y="205200"/>
-            <a:ext cx="8229240" cy="858600"/>
-          </a:xfrm>
-          <a:prstGeom prst="rect">
-            <a:avLst/>
-          </a:prstGeom>
-          <a:noFill/>
-          <a:ln w="0">
-            <a:noFill/>
-          </a:ln>
-        </p:spPr>
-        <p:txBody>
-          <a:bodyPr lIns="0" rIns="0" tIns="0" bIns="0" anchor="ctr">
-            <a:noAutofit/>
-          </a:bodyPr>
-          <a:p>
-            <a:pPr indent="0" algn="ctr">
-              <a:buNone/>
-            </a:pPr>
-            <a:r>
-              <a:rPr b="0" lang="ru-RU" sz="4400" spc="-1" strike="noStrike">
-                <a:solidFill>
-                  <a:srgbClr val="000000"/>
-                </a:solidFill>
-                <a:latin typeface="Arial"/>
-              </a:rPr>
-              <a:t>Для правки текста заглавия щёлкните мышью</a:t>
-            </a:r>
-            <a:endParaRPr b="0" lang="ru-RU" sz="4400" spc="-1" strike="noStrike">
-              <a:solidFill>
-                <a:srgbClr val="000000"/>
-              </a:solidFill>
-              <a:latin typeface="Arial"/>
             </a:endParaRPr>
           </a:p>
         </p:txBody>
@@ -6123,7 +6123,7 @@
         <p:spPr>
           <a:xfrm>
             <a:off x="2286000" y="420120"/>
-            <a:ext cx="6918840" cy="497880"/>
+            <a:ext cx="6918480" cy="497520"/>
           </a:xfrm>
           <a:prstGeom prst="rect">
             <a:avLst/>
@@ -6180,7 +6180,7 @@
         <p:spPr>
           <a:xfrm>
             <a:off x="460080" y="3494880"/>
-            <a:ext cx="7927200" cy="478080"/>
+            <a:ext cx="7926840" cy="477720"/>
           </a:xfrm>
           <a:prstGeom prst="rect">
             <a:avLst/>
@@ -6259,7 +6259,7 @@
         <p:spPr>
           <a:xfrm>
             <a:off x="351000" y="1459440"/>
-            <a:ext cx="7927200" cy="2237760"/>
+            <a:ext cx="7926840" cy="2237400"/>
           </a:xfrm>
           <a:prstGeom prst="rect">
             <a:avLst/>
@@ -6530,7 +6530,7 @@
         <p:spPr>
           <a:xfrm>
             <a:off x="2286000" y="430560"/>
-            <a:ext cx="6918120" cy="995400"/>
+            <a:ext cx="6917760" cy="995400"/>
           </a:xfrm>
           <a:prstGeom prst="rect">
             <a:avLst/>
@@ -6603,7 +6603,7 @@
         <p:spPr>
           <a:xfrm>
             <a:off x="2286000" y="851760"/>
-            <a:ext cx="7755840" cy="212760"/>
+            <a:ext cx="7755480" cy="212760"/>
           </a:xfrm>
           <a:prstGeom prst="rect">
             <a:avLst/>
@@ -6660,7 +6660,7 @@
         <p:spPr>
           <a:xfrm>
             <a:off x="5729400" y="4798800"/>
-            <a:ext cx="3267360" cy="216720"/>
+            <a:ext cx="3267000" cy="216720"/>
           </a:xfrm>
           <a:prstGeom prst="rect">
             <a:avLst/>
@@ -6717,15 +6717,15 @@
         <p:spPr>
           <a:xfrm>
             <a:off x="550800" y="1364040"/>
-            <a:ext cx="8012160" cy="2829600"/>
+            <a:ext cx="8011800" cy="2829240"/>
           </a:xfrm>
           <a:custGeom>
             <a:avLst/>
             <a:gdLst>
-              <a:gd name="textAreaLeft" fmla="*/ 0 w 8012160"/>
-              <a:gd name="textAreaRight" fmla="*/ 8012880 w 8012160"/>
-              <a:gd name="textAreaTop" fmla="*/ 0 h 2829600"/>
-              <a:gd name="textAreaBottom" fmla="*/ 2830320 h 2829600"/>
+              <a:gd name="textAreaLeft" fmla="*/ 0 w 8011800"/>
+              <a:gd name="textAreaRight" fmla="*/ 8012880 w 8011800"/>
+              <a:gd name="textAreaTop" fmla="*/ 0 h 2829240"/>
+              <a:gd name="textAreaBottom" fmla="*/ 2830320 h 2829240"/>
             </a:gdLst>
             <a:ahLst/>
             <a:rect l="textAreaLeft" t="textAreaTop" r="textAreaRight" b="textAreaBottom"/>
@@ -6846,7 +6846,7 @@
         <p:spPr>
           <a:xfrm>
             <a:off x="2286000" y="430560"/>
-            <a:ext cx="6918120" cy="995400"/>
+            <a:ext cx="6917760" cy="995400"/>
           </a:xfrm>
           <a:prstGeom prst="rect">
             <a:avLst/>
@@ -6919,7 +6919,7 @@
         <p:spPr>
           <a:xfrm>
             <a:off x="2286000" y="851760"/>
-            <a:ext cx="7755840" cy="212760"/>
+            <a:ext cx="7755480" cy="212760"/>
           </a:xfrm>
           <a:prstGeom prst="rect">
             <a:avLst/>
@@ -6976,15 +6976,15 @@
         <p:spPr>
           <a:xfrm>
             <a:off x="550800" y="1364040"/>
-            <a:ext cx="8012160" cy="2829600"/>
+            <a:ext cx="8011800" cy="2829240"/>
           </a:xfrm>
           <a:custGeom>
             <a:avLst/>
             <a:gdLst>
-              <a:gd name="textAreaLeft" fmla="*/ 0 w 8012160"/>
-              <a:gd name="textAreaRight" fmla="*/ 8012880 w 8012160"/>
-              <a:gd name="textAreaTop" fmla="*/ 0 h 2829600"/>
-              <a:gd name="textAreaBottom" fmla="*/ 2830320 h 2829600"/>
+              <a:gd name="textAreaLeft" fmla="*/ 0 w 8011800"/>
+              <a:gd name="textAreaRight" fmla="*/ 8012880 w 8011800"/>
+              <a:gd name="textAreaTop" fmla="*/ 0 h 2829240"/>
+              <a:gd name="textAreaBottom" fmla="*/ 2830320 h 2829240"/>
             </a:gdLst>
             <a:ahLst/>
             <a:rect l="textAreaLeft" t="textAreaTop" r="textAreaRight" b="textAreaBottom"/>
@@ -7067,7 +7067,7 @@
         <p:spPr>
           <a:xfrm>
             <a:off x="5729400" y="4798800"/>
-            <a:ext cx="3267360" cy="216720"/>
+            <a:ext cx="3267000" cy="216720"/>
           </a:xfrm>
           <a:prstGeom prst="rect">
             <a:avLst/>
@@ -7162,15 +7162,15 @@
         <p:spPr>
           <a:xfrm>
             <a:off x="514440" y="2628720"/>
-            <a:ext cx="8114760" cy="1999800"/>
+            <a:ext cx="8114400" cy="1999440"/>
           </a:xfrm>
           <a:custGeom>
             <a:avLst/>
             <a:gdLst>
-              <a:gd name="textAreaLeft" fmla="*/ 0 w 8114760"/>
-              <a:gd name="textAreaRight" fmla="*/ 8115480 w 8114760"/>
-              <a:gd name="textAreaTop" fmla="*/ 0 h 1999800"/>
-              <a:gd name="textAreaBottom" fmla="*/ 2000520 h 1999800"/>
+              <a:gd name="textAreaLeft" fmla="*/ 0 w 8114400"/>
+              <a:gd name="textAreaRight" fmla="*/ 8115480 w 8114400"/>
+              <a:gd name="textAreaTop" fmla="*/ 0 h 1999440"/>
+              <a:gd name="textAreaBottom" fmla="*/ 2000520 h 1999440"/>
             </a:gdLst>
             <a:ahLst/>
             <a:rect l="textAreaLeft" t="textAreaTop" r="textAreaRight" b="textAreaBottom"/>
@@ -7253,7 +7253,7 @@
         <p:spPr>
           <a:xfrm>
             <a:off x="329400" y="1222200"/>
-            <a:ext cx="7986960" cy="1065240"/>
+            <a:ext cx="7986600" cy="1065240"/>
           </a:xfrm>
           <a:prstGeom prst="rect">
             <a:avLst/>
@@ -7362,7 +7362,7 @@
         <p:spPr>
           <a:xfrm>
             <a:off x="642960" y="2687760"/>
-            <a:ext cx="7858440" cy="426240"/>
+            <a:ext cx="7858080" cy="425880"/>
           </a:xfrm>
           <a:prstGeom prst="rect">
             <a:avLst/>
@@ -7419,7 +7419,7 @@
         <p:spPr>
           <a:xfrm>
             <a:off x="5434920" y="0"/>
-            <a:ext cx="3708360" cy="217080"/>
+            <a:ext cx="3708000" cy="216720"/>
           </a:xfrm>
           <a:prstGeom prst="rect">
             <a:avLst/>
@@ -7476,7 +7476,7 @@
         <p:spPr>
           <a:xfrm>
             <a:off x="2286000" y="430560"/>
-            <a:ext cx="6918120" cy="995400"/>
+            <a:ext cx="6917760" cy="995400"/>
           </a:xfrm>
           <a:prstGeom prst="rect">
             <a:avLst/>
@@ -7587,15 +7587,15 @@
         <p:spPr>
           <a:xfrm>
             <a:off x="514440" y="1400040"/>
-            <a:ext cx="8114760" cy="3228120"/>
+            <a:ext cx="8114400" cy="3227760"/>
           </a:xfrm>
           <a:custGeom>
             <a:avLst/>
             <a:gdLst>
-              <a:gd name="textAreaLeft" fmla="*/ 0 w 8114760"/>
-              <a:gd name="textAreaRight" fmla="*/ 8115480 w 8114760"/>
-              <a:gd name="textAreaTop" fmla="*/ 0 h 3228120"/>
-              <a:gd name="textAreaBottom" fmla="*/ 3228840 h 3228120"/>
+              <a:gd name="textAreaLeft" fmla="*/ 0 w 8114400"/>
+              <a:gd name="textAreaRight" fmla="*/ 8115480 w 8114400"/>
+              <a:gd name="textAreaTop" fmla="*/ 0 h 3227760"/>
+              <a:gd name="textAreaBottom" fmla="*/ 3228840 h 3227760"/>
             </a:gdLst>
             <a:ahLst/>
             <a:rect l="textAreaLeft" t="textAreaTop" r="textAreaRight" b="textAreaBottom"/>
@@ -7678,7 +7678,7 @@
         <p:spPr>
           <a:xfrm>
             <a:off x="2286000" y="420480"/>
-            <a:ext cx="6198840" cy="497880"/>
+            <a:ext cx="6198480" cy="497520"/>
           </a:xfrm>
           <a:prstGeom prst="rect">
             <a:avLst/>
@@ -7735,7 +7735,7 @@
         <p:spPr>
           <a:xfrm>
             <a:off x="2286000" y="840960"/>
-            <a:ext cx="7987320" cy="213120"/>
+            <a:ext cx="7986960" cy="212760"/>
           </a:xfrm>
           <a:prstGeom prst="rect">
             <a:avLst/>
@@ -7792,7 +7792,7 @@
         <p:spPr>
           <a:xfrm>
             <a:off x="5729400" y="4798800"/>
-            <a:ext cx="3267720" cy="217080"/>
+            <a:ext cx="3267360" cy="216720"/>
           </a:xfrm>
           <a:prstGeom prst="rect">
             <a:avLst/>
@@ -7887,15 +7887,15 @@
         <p:spPr>
           <a:xfrm>
             <a:off x="514440" y="1400040"/>
-            <a:ext cx="8047800" cy="3223440"/>
+            <a:ext cx="8047440" cy="3223080"/>
           </a:xfrm>
           <a:custGeom>
             <a:avLst/>
             <a:gdLst>
-              <a:gd name="textAreaLeft" fmla="*/ 0 w 8047800"/>
-              <a:gd name="textAreaRight" fmla="*/ 8048520 w 8047800"/>
-              <a:gd name="textAreaTop" fmla="*/ 0 h 3223440"/>
-              <a:gd name="textAreaBottom" fmla="*/ 3224160 h 3223440"/>
+              <a:gd name="textAreaLeft" fmla="*/ 0 w 8047440"/>
+              <a:gd name="textAreaRight" fmla="*/ 8048520 w 8047440"/>
+              <a:gd name="textAreaTop" fmla="*/ 0 h 3223080"/>
+              <a:gd name="textAreaBottom" fmla="*/ 3224160 h 3223080"/>
             </a:gdLst>
             <a:ahLst/>
             <a:rect l="textAreaLeft" t="textAreaTop" r="textAreaRight" b="textAreaBottom"/>
@@ -7978,7 +7978,7 @@
         <p:spPr>
           <a:xfrm>
             <a:off x="2286000" y="420480"/>
-            <a:ext cx="6198840" cy="497520"/>
+            <a:ext cx="6198480" cy="497520"/>
           </a:xfrm>
           <a:prstGeom prst="rect">
             <a:avLst/>
@@ -8035,7 +8035,7 @@
         <p:spPr>
           <a:xfrm>
             <a:off x="2286000" y="840960"/>
-            <a:ext cx="7986960" cy="212760"/>
+            <a:ext cx="7986600" cy="212760"/>
           </a:xfrm>
           <a:prstGeom prst="rect">
             <a:avLst/>
@@ -8092,7 +8092,7 @@
         <p:spPr>
           <a:xfrm>
             <a:off x="5729400" y="4798800"/>
-            <a:ext cx="3267360" cy="216720"/>
+            <a:ext cx="3267000" cy="216720"/>
           </a:xfrm>
           <a:prstGeom prst="rect">
             <a:avLst/>
@@ -8187,15 +8187,15 @@
         <p:spPr>
           <a:xfrm>
             <a:off x="514440" y="1400040"/>
-            <a:ext cx="8114760" cy="3228120"/>
+            <a:ext cx="8114400" cy="3227760"/>
           </a:xfrm>
           <a:custGeom>
             <a:avLst/>
             <a:gdLst>
-              <a:gd name="textAreaLeft" fmla="*/ 0 w 8114760"/>
-              <a:gd name="textAreaRight" fmla="*/ 8115480 w 8114760"/>
-              <a:gd name="textAreaTop" fmla="*/ 0 h 3228120"/>
-              <a:gd name="textAreaBottom" fmla="*/ 3228840 h 3228120"/>
+              <a:gd name="textAreaLeft" fmla="*/ 0 w 8114400"/>
+              <a:gd name="textAreaRight" fmla="*/ 8115480 w 8114400"/>
+              <a:gd name="textAreaTop" fmla="*/ 0 h 3227760"/>
+              <a:gd name="textAreaBottom" fmla="*/ 3228840 h 3227760"/>
             </a:gdLst>
             <a:ahLst/>
             <a:rect l="textAreaLeft" t="textAreaTop" r="textAreaRight" b="textAreaBottom"/>
@@ -8278,7 +8278,7 @@
         <p:spPr>
           <a:xfrm>
             <a:off x="2286000" y="420480"/>
-            <a:ext cx="6198840" cy="497880"/>
+            <a:ext cx="6198480" cy="497520"/>
           </a:xfrm>
           <a:prstGeom prst="rect">
             <a:avLst/>
@@ -8335,7 +8335,7 @@
         <p:spPr>
           <a:xfrm>
             <a:off x="2286000" y="840960"/>
-            <a:ext cx="7987320" cy="213120"/>
+            <a:ext cx="7986960" cy="212760"/>
           </a:xfrm>
           <a:prstGeom prst="rect">
             <a:avLst/>
@@ -8392,7 +8392,7 @@
         <p:spPr>
           <a:xfrm>
             <a:off x="5729400" y="4798800"/>
-            <a:ext cx="3267720" cy="217080"/>
+            <a:ext cx="3267360" cy="216720"/>
           </a:xfrm>
           <a:prstGeom prst="rect">
             <a:avLst/>
@@ -8491,7 +8491,7 @@
         <p:spPr>
           <a:xfrm>
             <a:off x="2169720" y="373320"/>
-            <a:ext cx="4114080" cy="570960"/>
+            <a:ext cx="4113720" cy="570600"/>
           </a:xfrm>
           <a:prstGeom prst="rect">
             <a:avLst/>
@@ -8543,7 +8543,7 @@
         <p:spPr>
           <a:xfrm>
             <a:off x="343080" y="1381320"/>
-            <a:ext cx="7943400" cy="1612440"/>
+            <a:ext cx="7943040" cy="1612440"/>
           </a:xfrm>
           <a:prstGeom prst="rect">
             <a:avLst/>
@@ -8772,7 +8772,7 @@
         <p:spPr>
           <a:xfrm>
             <a:off x="5434920" y="0"/>
-            <a:ext cx="3708360" cy="216720"/>
+            <a:ext cx="3708000" cy="216720"/>
           </a:xfrm>
           <a:prstGeom prst="rect">
             <a:avLst/>
@@ -8829,15 +8829,15 @@
         <p:spPr>
           <a:xfrm>
             <a:off x="343080" y="1381320"/>
-            <a:ext cx="8047800" cy="3223440"/>
+            <a:ext cx="8047440" cy="3223080"/>
           </a:xfrm>
           <a:custGeom>
             <a:avLst/>
             <a:gdLst>
-              <a:gd name="textAreaLeft" fmla="*/ 0 w 8047800"/>
-              <a:gd name="textAreaRight" fmla="*/ 8048520 w 8047800"/>
-              <a:gd name="textAreaTop" fmla="*/ 0 h 3223440"/>
-              <a:gd name="textAreaBottom" fmla="*/ 3224160 h 3223440"/>
+              <a:gd name="textAreaLeft" fmla="*/ 0 w 8047440"/>
+              <a:gd name="textAreaRight" fmla="*/ 8048520 w 8047440"/>
+              <a:gd name="textAreaTop" fmla="*/ 0 h 3223080"/>
+              <a:gd name="textAreaBottom" fmla="*/ 3224160 h 3223080"/>
             </a:gdLst>
             <a:ahLst/>
             <a:rect l="textAreaLeft" t="textAreaTop" r="textAreaRight" b="textAreaBottom"/>
@@ -8962,7 +8962,7 @@
         <p:spPr>
           <a:xfrm>
             <a:off x="2169720" y="373320"/>
-            <a:ext cx="4114080" cy="570960"/>
+            <a:ext cx="4113720" cy="570600"/>
           </a:xfrm>
           <a:prstGeom prst="rect">
             <a:avLst/>
@@ -9014,7 +9014,7 @@
         <p:spPr>
           <a:xfrm>
             <a:off x="343080" y="1381320"/>
-            <a:ext cx="7943400" cy="245520"/>
+            <a:ext cx="7943040" cy="245160"/>
           </a:xfrm>
           <a:prstGeom prst="rect">
             <a:avLst/>
@@ -9062,7 +9062,7 @@
         <p:spPr>
           <a:xfrm>
             <a:off x="5729400" y="4798800"/>
-            <a:ext cx="3267360" cy="216720"/>
+            <a:ext cx="3267000" cy="216720"/>
           </a:xfrm>
           <a:prstGeom prst="rect">
             <a:avLst/>
@@ -9119,15 +9119,15 @@
         <p:spPr>
           <a:xfrm>
             <a:off x="514440" y="1400040"/>
-            <a:ext cx="8047800" cy="3223440"/>
+            <a:ext cx="8047440" cy="3223080"/>
           </a:xfrm>
           <a:custGeom>
             <a:avLst/>
             <a:gdLst>
-              <a:gd name="textAreaLeft" fmla="*/ 0 w 8047800"/>
-              <a:gd name="textAreaRight" fmla="*/ 8048520 w 8047800"/>
-              <a:gd name="textAreaTop" fmla="*/ 0 h 3223440"/>
-              <a:gd name="textAreaBottom" fmla="*/ 3224160 h 3223440"/>
+              <a:gd name="textAreaLeft" fmla="*/ 0 w 8047440"/>
+              <a:gd name="textAreaRight" fmla="*/ 8048520 w 8047440"/>
+              <a:gd name="textAreaTop" fmla="*/ 0 h 3223080"/>
+              <a:gd name="textAreaBottom" fmla="*/ 3224160 h 3223080"/>
             </a:gdLst>
             <a:ahLst/>
             <a:rect l="textAreaLeft" t="textAreaTop" r="textAreaRight" b="textAreaBottom"/>
@@ -9248,7 +9248,7 @@
         <p:spPr>
           <a:xfrm>
             <a:off x="396720" y="1388880"/>
-            <a:ext cx="7975440" cy="2408040"/>
+            <a:ext cx="7975080" cy="2407680"/>
           </a:xfrm>
           <a:prstGeom prst="rect">
             <a:avLst/>
@@ -9415,7 +9415,7 @@
         <p:spPr>
           <a:xfrm>
             <a:off x="5469120" y="-11160"/>
-            <a:ext cx="3670200" cy="217080"/>
+            <a:ext cx="3669840" cy="216720"/>
           </a:xfrm>
           <a:prstGeom prst="rect">
             <a:avLst/>
@@ -9472,7 +9472,7 @@
         <p:spPr>
           <a:xfrm>
             <a:off x="396720" y="3544200"/>
-            <a:ext cx="7975440" cy="928800"/>
+            <a:ext cx="7975080" cy="928800"/>
           </a:xfrm>
           <a:prstGeom prst="rect">
             <a:avLst/>
@@ -9611,7 +9611,7 @@
         <p:spPr>
           <a:xfrm>
             <a:off x="2286000" y="420120"/>
-            <a:ext cx="6918120" cy="497520"/>
+            <a:ext cx="6917760" cy="497520"/>
           </a:xfrm>
           <a:prstGeom prst="rect">
             <a:avLst/>
@@ -9706,7 +9706,7 @@
         <p:spPr>
           <a:xfrm>
             <a:off x="2286000" y="420120"/>
-            <a:ext cx="6918120" cy="497880"/>
+            <a:ext cx="6917760" cy="497520"/>
           </a:xfrm>
           <a:prstGeom prst="rect">
             <a:avLst/>
@@ -9763,7 +9763,7 @@
         <p:spPr>
           <a:xfrm>
             <a:off x="460080" y="3494880"/>
-            <a:ext cx="7927200" cy="478080"/>
+            <a:ext cx="7926840" cy="477720"/>
           </a:xfrm>
           <a:prstGeom prst="rect">
             <a:avLst/>
@@ -9842,7 +9842,7 @@
         <p:spPr>
           <a:xfrm>
             <a:off x="5729400" y="4798800"/>
-            <a:ext cx="3267720" cy="217080"/>
+            <a:ext cx="3267360" cy="216720"/>
           </a:xfrm>
           <a:prstGeom prst="rect">
             <a:avLst/>
@@ -9899,7 +9899,7 @@
         <p:spPr>
           <a:xfrm>
             <a:off x="351000" y="1459440"/>
-            <a:ext cx="7927200" cy="1598760"/>
+            <a:ext cx="7926840" cy="1811520"/>
           </a:xfrm>
           <a:prstGeom prst="rect">
             <a:avLst/>
@@ -9962,7 +9962,33 @@
                 <a:latin typeface="Arial"/>
                 <a:ea typeface="Arial"/>
               </a:rPr>
-              <a:t>1.</a:t>
+              <a:t>1. Не во всех школах есть место для смены деятельности. (С умственной на Физическую)</a:t>
+            </a:r>
+            <a:endParaRPr b="0" lang="ru-RU" sz="1000" spc="-1" strike="noStrike">
+              <a:solidFill>
+                <a:srgbClr val="000000"/>
+              </a:solidFill>
+              <a:latin typeface="Arial"/>
+            </a:endParaRPr>
+          </a:p>
+          <a:p>
+            <a:pPr>
+              <a:lnSpc>
+                <a:spcPct val="140000"/>
+              </a:lnSpc>
+              <a:tabLst>
+                <a:tab algn="l" pos="0"/>
+              </a:tabLst>
+            </a:pPr>
+            <a:r>
+              <a:rPr b="0" i="1" lang="ru-RU" sz="1000" spc="-1" strike="noStrike">
+                <a:solidFill>
+                  <a:srgbClr val="000000"/>
+                </a:solidFill>
+                <a:latin typeface="Arial"/>
+                <a:ea typeface="Arial"/>
+              </a:rPr>
+              <a:t>2.</a:t>
             </a:r>
             <a:endParaRPr b="0" lang="ru-RU" sz="1000" spc="-1" strike="noStrike">
               <a:solidFill>
@@ -10110,7 +10136,7 @@
         <p:spPr>
           <a:xfrm>
             <a:off x="2270160" y="414000"/>
-            <a:ext cx="6918120" cy="497520"/>
+            <a:ext cx="6917760" cy="497520"/>
           </a:xfrm>
           <a:prstGeom prst="rect">
             <a:avLst/>
@@ -10167,7 +10193,7 @@
         <p:spPr>
           <a:xfrm>
             <a:off x="351000" y="1459440"/>
-            <a:ext cx="7927200" cy="1599120"/>
+            <a:ext cx="7926840" cy="1598760"/>
           </a:xfrm>
           <a:prstGeom prst="rect">
             <a:avLst/>
@@ -10304,7 +10330,7 @@
         <p:spPr>
           <a:xfrm>
             <a:off x="5729400" y="4798800"/>
-            <a:ext cx="3267720" cy="217080"/>
+            <a:ext cx="3267360" cy="216720"/>
           </a:xfrm>
           <a:prstGeom prst="rect">
             <a:avLst/>
@@ -10399,7 +10425,7 @@
         <p:spPr>
           <a:xfrm>
             <a:off x="2270160" y="414000"/>
-            <a:ext cx="6918120" cy="497520"/>
+            <a:ext cx="6917760" cy="497520"/>
           </a:xfrm>
           <a:prstGeom prst="rect">
             <a:avLst/>
@@ -10456,7 +10482,7 @@
         <p:spPr>
           <a:xfrm>
             <a:off x="351000" y="1459440"/>
-            <a:ext cx="7927200" cy="1641960"/>
+            <a:ext cx="7926840" cy="1641600"/>
           </a:xfrm>
           <a:prstGeom prst="rect">
             <a:avLst/>
@@ -10603,7 +10629,7 @@
         <p:spPr>
           <a:xfrm>
             <a:off x="5729400" y="4798800"/>
-            <a:ext cx="3267360" cy="216720"/>
+            <a:ext cx="3267000" cy="216720"/>
           </a:xfrm>
           <a:prstGeom prst="rect">
             <a:avLst/>
@@ -10698,7 +10724,7 @@
         <p:spPr>
           <a:xfrm>
             <a:off x="2270160" y="435600"/>
-            <a:ext cx="6918120" cy="497520"/>
+            <a:ext cx="6917760" cy="497520"/>
           </a:xfrm>
           <a:prstGeom prst="rect">
             <a:avLst/>
@@ -10755,7 +10781,7 @@
         <p:spPr>
           <a:xfrm>
             <a:off x="442080" y="3716640"/>
-            <a:ext cx="7927200" cy="685080"/>
+            <a:ext cx="7926840" cy="684720"/>
           </a:xfrm>
           <a:prstGeom prst="rect">
             <a:avLst/>
@@ -10850,7 +10876,7 @@
         <p:spPr>
           <a:xfrm>
             <a:off x="5729400" y="4798800"/>
-            <a:ext cx="3267720" cy="217080"/>
+            <a:ext cx="3267360" cy="216720"/>
           </a:xfrm>
           <a:prstGeom prst="rect">
             <a:avLst/>
@@ -10907,7 +10933,7 @@
         <p:spPr>
           <a:xfrm>
             <a:off x="351000" y="1459440"/>
-            <a:ext cx="7927200" cy="1386000"/>
+            <a:ext cx="7926840" cy="1385640"/>
           </a:xfrm>
           <a:prstGeom prst="rect">
             <a:avLst/>
@@ -11068,7 +11094,7 @@
         <p:spPr>
           <a:xfrm>
             <a:off x="5508000" y="1243800"/>
-            <a:ext cx="3286440" cy="3286440"/>
+            <a:ext cx="3286080" cy="3286080"/>
           </a:xfrm>
           <a:prstGeom prst="rect">
             <a:avLst/>
@@ -11125,7 +11151,7 @@
         <p:spPr>
           <a:xfrm>
             <a:off x="385200" y="1171800"/>
-            <a:ext cx="8138520" cy="1278360"/>
+            <a:ext cx="8138160" cy="1278360"/>
           </a:xfrm>
           <a:prstGeom prst="rect">
             <a:avLst/>
@@ -11270,7 +11296,7 @@
         <p:spPr>
           <a:xfrm>
             <a:off x="5434920" y="-2880"/>
-            <a:ext cx="3708360" cy="217080"/>
+            <a:ext cx="3708000" cy="216720"/>
           </a:xfrm>
           <a:prstGeom prst="rect">
             <a:avLst/>
@@ -11327,7 +11353,7 @@
         <p:spPr>
           <a:xfrm>
             <a:off x="2270160" y="435600"/>
-            <a:ext cx="6918120" cy="497520"/>
+            <a:ext cx="6917760" cy="497520"/>
           </a:xfrm>
           <a:prstGeom prst="rect">
             <a:avLst/>
@@ -11422,15 +11448,15 @@
         <p:spPr>
           <a:xfrm>
             <a:off x="587520" y="1388160"/>
-            <a:ext cx="8041680" cy="1182960"/>
+            <a:ext cx="8041320" cy="1182600"/>
           </a:xfrm>
           <a:custGeom>
             <a:avLst/>
             <a:gdLst>
-              <a:gd name="textAreaLeft" fmla="*/ 0 w 8041680"/>
-              <a:gd name="textAreaRight" fmla="*/ 8042400 w 8041680"/>
-              <a:gd name="textAreaTop" fmla="*/ 0 h 1182960"/>
-              <a:gd name="textAreaBottom" fmla="*/ 1183680 h 1182960"/>
+              <a:gd name="textAreaLeft" fmla="*/ 0 w 8041320"/>
+              <a:gd name="textAreaRight" fmla="*/ 8042400 w 8041320"/>
+              <a:gd name="textAreaTop" fmla="*/ 0 h 1182600"/>
+              <a:gd name="textAreaBottom" fmla="*/ 1183680 h 1182600"/>
             </a:gdLst>
             <a:ahLst/>
             <a:rect l="textAreaLeft" t="textAreaTop" r="textAreaRight" b="textAreaBottom"/>
@@ -11513,7 +11539,7 @@
         <p:spPr>
           <a:xfrm>
             <a:off x="664560" y="1500840"/>
-            <a:ext cx="2580480" cy="213120"/>
+            <a:ext cx="2580120" cy="212760"/>
           </a:xfrm>
           <a:prstGeom prst="rect">
             <a:avLst/>
@@ -11570,15 +11596,15 @@
         <p:spPr>
           <a:xfrm>
             <a:off x="587520" y="2871720"/>
-            <a:ext cx="8041680" cy="1182960"/>
+            <a:ext cx="8041320" cy="1182600"/>
           </a:xfrm>
           <a:custGeom>
             <a:avLst/>
             <a:gdLst>
-              <a:gd name="textAreaLeft" fmla="*/ 0 w 8041680"/>
-              <a:gd name="textAreaRight" fmla="*/ 8042400 w 8041680"/>
-              <a:gd name="textAreaTop" fmla="*/ 0 h 1182960"/>
-              <a:gd name="textAreaBottom" fmla="*/ 1183680 h 1182960"/>
+              <a:gd name="textAreaLeft" fmla="*/ 0 w 8041320"/>
+              <a:gd name="textAreaRight" fmla="*/ 8042400 w 8041320"/>
+              <a:gd name="textAreaTop" fmla="*/ 0 h 1182600"/>
+              <a:gd name="textAreaBottom" fmla="*/ 1183680 h 1182600"/>
             </a:gdLst>
             <a:ahLst/>
             <a:rect l="textAreaLeft" t="textAreaTop" r="textAreaRight" b="textAreaBottom"/>
@@ -11661,7 +11687,7 @@
         <p:spPr>
           <a:xfrm>
             <a:off x="664560" y="3021480"/>
-            <a:ext cx="1869120" cy="213120"/>
+            <a:ext cx="1868760" cy="212760"/>
           </a:xfrm>
           <a:prstGeom prst="rect">
             <a:avLst/>
@@ -11718,7 +11744,7 @@
         <p:spPr>
           <a:xfrm>
             <a:off x="2270160" y="874440"/>
-            <a:ext cx="5672160" cy="213120"/>
+            <a:ext cx="5671800" cy="212760"/>
           </a:xfrm>
           <a:prstGeom prst="rect">
             <a:avLst/>
@@ -11775,7 +11801,7 @@
         <p:spPr>
           <a:xfrm>
             <a:off x="5729400" y="4798800"/>
-            <a:ext cx="3267720" cy="217080"/>
+            <a:ext cx="3267360" cy="216720"/>
           </a:xfrm>
           <a:prstGeom prst="rect">
             <a:avLst/>
@@ -11832,7 +11858,7 @@
         <p:spPr>
           <a:xfrm>
             <a:off x="2270160" y="435600"/>
-            <a:ext cx="6918120" cy="497520"/>
+            <a:ext cx="6917760" cy="497520"/>
           </a:xfrm>
           <a:prstGeom prst="rect">
             <a:avLst/>
@@ -11927,7 +11953,7 @@
         <p:spPr>
           <a:xfrm>
             <a:off x="2286000" y="430560"/>
-            <a:ext cx="6918120" cy="497880"/>
+            <a:ext cx="6917760" cy="497520"/>
           </a:xfrm>
           <a:prstGeom prst="rect">
             <a:avLst/>
@@ -11984,7 +12010,7 @@
         <p:spPr>
           <a:xfrm>
             <a:off x="2286000" y="851760"/>
-            <a:ext cx="7755840" cy="212760"/>
+            <a:ext cx="7755480" cy="212760"/>
           </a:xfrm>
           <a:prstGeom prst="rect">
             <a:avLst/>
@@ -12041,15 +12067,15 @@
         <p:spPr>
           <a:xfrm>
             <a:off x="550800" y="1364040"/>
-            <a:ext cx="8041680" cy="2840040"/>
+            <a:ext cx="8041320" cy="2839680"/>
           </a:xfrm>
           <a:custGeom>
             <a:avLst/>
             <a:gdLst>
-              <a:gd name="textAreaLeft" fmla="*/ 0 w 8041680"/>
-              <a:gd name="textAreaRight" fmla="*/ 8042400 w 8041680"/>
-              <a:gd name="textAreaTop" fmla="*/ 0 h 2840040"/>
-              <a:gd name="textAreaBottom" fmla="*/ 2840760 h 2840040"/>
+              <a:gd name="textAreaLeft" fmla="*/ 0 w 8041320"/>
+              <a:gd name="textAreaRight" fmla="*/ 8042400 w 8041320"/>
+              <a:gd name="textAreaTop" fmla="*/ 0 h 2839680"/>
+              <a:gd name="textAreaBottom" fmla="*/ 2840760 h 2839680"/>
             </a:gdLst>
             <a:ahLst/>
             <a:rect l="textAreaLeft" t="textAreaTop" r="textAreaRight" b="textAreaBottom"/>
@@ -12132,7 +12158,7 @@
         <p:spPr>
           <a:xfrm>
             <a:off x="5729400" y="4798800"/>
-            <a:ext cx="3267720" cy="217080"/>
+            <a:ext cx="3267360" cy="216720"/>
           </a:xfrm>
           <a:prstGeom prst="rect">
             <a:avLst/>
@@ -12199,7 +12225,7 @@
         <p:spPr>
           <a:xfrm>
             <a:off x="550800" y="1364040"/>
-            <a:ext cx="8041680" cy="1581480"/>
+            <a:ext cx="8041320" cy="1581480"/>
           </a:xfrm>
           <a:prstGeom prst="rect">
             <a:avLst/>

--- a/Шаблон для презентации.pptx
+++ b/Шаблон для презентации.pptx
@@ -80,7 +80,7 @@
         <p:txBody>
           <a:bodyPr/>
           <a:p>
-            <a:fld id="{48D87EC0-7CC6-44C7-B15F-BBCFA854B8D3}" type="slidenum">
+            <a:fld id="{129BB322-4D96-4A64-B3E5-E2A46BF628E5}" type="slidenum">
               <a:t>&lt;#&gt;</a:t>
             </a:fld>
           </a:p>
@@ -142,7 +142,7 @@
         <p:spPr>
           <a:xfrm>
             <a:off x="228600" y="-1139760"/>
-            <a:ext cx="4113720" cy="3125160"/>
+            <a:ext cx="4113000" cy="3125160"/>
           </a:xfrm>
           <a:prstGeom prst="rect">
             <a:avLst/>
@@ -289,7 +289,7 @@
         <p:txBody>
           <a:bodyPr/>
           <a:p>
-            <a:fld id="{FE01BCF2-24E7-4E22-97B6-2E2636128CCB}" type="slidenum">
+            <a:fld id="{85BFA487-F8BA-4CF8-BA41-F4F172506749}" type="slidenum">
               <a:t>&lt;#&gt;</a:t>
             </a:fld>
           </a:p>
@@ -351,7 +351,7 @@
         <p:spPr>
           <a:xfrm>
             <a:off x="228600" y="-1139760"/>
-            <a:ext cx="4113720" cy="3125160"/>
+            <a:ext cx="4113000" cy="3125160"/>
           </a:xfrm>
           <a:prstGeom prst="rect">
             <a:avLst/>
@@ -584,7 +584,7 @@
         <p:txBody>
           <a:bodyPr/>
           <a:p>
-            <a:fld id="{5631833A-747E-42FE-979E-05CFE9E9CAEA}" type="slidenum">
+            <a:fld id="{D597FF5A-F185-4CED-B6A0-C56BD671DBCF}" type="slidenum">
               <a:t>&lt;#&gt;</a:t>
             </a:fld>
           </a:p>
@@ -646,7 +646,7 @@
         <p:spPr>
           <a:xfrm>
             <a:off x="228600" y="-1139760"/>
-            <a:ext cx="4113720" cy="3125160"/>
+            <a:ext cx="4113000" cy="3125160"/>
           </a:xfrm>
           <a:prstGeom prst="rect">
             <a:avLst/>
@@ -965,7 +965,7 @@
         <p:txBody>
           <a:bodyPr/>
           <a:p>
-            <a:fld id="{D9B70A12-8ABF-4408-A6C9-8E9913499EB8}" type="slidenum">
+            <a:fld id="{E3D35E9C-3373-41C5-8E24-612E1BE9E4CF}" type="slidenum">
               <a:t>&lt;#&gt;</a:t>
             </a:fld>
           </a:p>
@@ -1048,7 +1048,7 @@
         <p:txBody>
           <a:bodyPr/>
           <a:p>
-            <a:fld id="{00985FD1-D8C1-4653-9C6A-01D0E8C56AFF}" type="slidenum">
+            <a:fld id="{BA54608C-7BDD-44A6-BD20-242B2888EECE}" type="slidenum">
               <a:t>&lt;#&gt;</a:t>
             </a:fld>
           </a:p>
@@ -1110,7 +1110,7 @@
         <p:spPr>
           <a:xfrm>
             <a:off x="228600" y="-1139760"/>
-            <a:ext cx="4113720" cy="3125160"/>
+            <a:ext cx="4113000" cy="3125160"/>
           </a:xfrm>
           <a:prstGeom prst="rect">
             <a:avLst/>
@@ -1211,7 +1211,7 @@
         <p:txBody>
           <a:bodyPr/>
           <a:p>
-            <a:fld id="{8630599F-81F9-47D0-A41E-580CBEB00B0C}" type="slidenum">
+            <a:fld id="{2058E207-31C2-403D-8F0C-14B68D12F623}" type="slidenum">
               <a:t>&lt;#&gt;</a:t>
             </a:fld>
           </a:p>
@@ -1273,7 +1273,7 @@
         <p:spPr>
           <a:xfrm>
             <a:off x="228600" y="-1139760"/>
-            <a:ext cx="4113720" cy="3125160"/>
+            <a:ext cx="4113000" cy="3125160"/>
           </a:xfrm>
           <a:prstGeom prst="rect">
             <a:avLst/>
@@ -1377,7 +1377,7 @@
         <p:txBody>
           <a:bodyPr/>
           <a:p>
-            <a:fld id="{6AEDC76C-53C3-419A-98A4-F6915D1B75D0}" type="slidenum">
+            <a:fld id="{BE40D0CC-DEE1-49C6-B687-9A8850B8B70B}" type="slidenum">
               <a:t>&lt;#&gt;</a:t>
             </a:fld>
           </a:p>
@@ -1439,7 +1439,7 @@
         <p:spPr>
           <a:xfrm>
             <a:off x="228600" y="-1139760"/>
-            <a:ext cx="4113720" cy="3125160"/>
+            <a:ext cx="4113000" cy="3125160"/>
           </a:xfrm>
           <a:prstGeom prst="rect">
             <a:avLst/>
@@ -1586,7 +1586,7 @@
         <p:txBody>
           <a:bodyPr/>
           <a:p>
-            <a:fld id="{F790FD80-CC8B-44EE-8B2F-9089F3CB15D7}" type="slidenum">
+            <a:fld id="{21A4A736-E80F-436B-B329-E25847CB0F96}" type="slidenum">
               <a:t>&lt;#&gt;</a:t>
             </a:fld>
           </a:p>
@@ -1648,7 +1648,7 @@
         <p:spPr>
           <a:xfrm>
             <a:off x="228600" y="-1139760"/>
-            <a:ext cx="4113720" cy="3125160"/>
+            <a:ext cx="4113000" cy="3125160"/>
           </a:xfrm>
           <a:prstGeom prst="rect">
             <a:avLst/>
@@ -1709,7 +1709,7 @@
         <p:txBody>
           <a:bodyPr/>
           <a:p>
-            <a:fld id="{A46884EA-7468-4637-9D52-1A89839380D0}" type="slidenum">
+            <a:fld id="{F355A492-156D-4384-80D2-F30E1CB2358B}" type="slidenum">
               <a:t>&lt;#&gt;</a:t>
             </a:fld>
           </a:p>
@@ -1771,7 +1771,7 @@
         <p:spPr>
           <a:xfrm>
             <a:off x="228600" y="959400"/>
-            <a:ext cx="4113720" cy="10287360"/>
+            <a:ext cx="4113000" cy="10287360"/>
           </a:xfrm>
           <a:prstGeom prst="rect">
             <a:avLst/>
@@ -1830,7 +1830,7 @@
         <p:txBody>
           <a:bodyPr/>
           <a:p>
-            <a:fld id="{E0402CD4-2B02-4575-80D0-80E836DF440D}" type="slidenum">
+            <a:fld id="{ABA29C51-2183-4100-BDD3-FADC5B4CECE3}" type="slidenum">
               <a:t>&lt;#&gt;</a:t>
             </a:fld>
           </a:p>
@@ -1892,7 +1892,7 @@
         <p:spPr>
           <a:xfrm>
             <a:off x="228600" y="-1139760"/>
-            <a:ext cx="4113720" cy="3125160"/>
+            <a:ext cx="4113000" cy="3125160"/>
           </a:xfrm>
           <a:prstGeom prst="rect">
             <a:avLst/>
@@ -2082,7 +2082,7 @@
         <p:txBody>
           <a:bodyPr/>
           <a:p>
-            <a:fld id="{38190A29-A362-43B3-93E5-35610D4B7DE1}" type="slidenum">
+            <a:fld id="{0A6CAFB9-F22E-48BB-8267-054EBDBFFDDE}" type="slidenum">
               <a:t>&lt;#&gt;</a:t>
             </a:fld>
           </a:p>
@@ -2144,7 +2144,7 @@
         <p:spPr>
           <a:xfrm>
             <a:off x="228600" y="-1139760"/>
-            <a:ext cx="4113720" cy="3125160"/>
+            <a:ext cx="4113000" cy="3125160"/>
           </a:xfrm>
           <a:prstGeom prst="rect">
             <a:avLst/>
@@ -2245,7 +2245,7 @@
         <p:txBody>
           <a:bodyPr/>
           <a:p>
-            <a:fld id="{2DFC9914-2F10-498A-907C-BD70E39D44B8}" type="slidenum">
+            <a:fld id="{B46F6C9B-0BC2-4E6C-AEE8-D07ED63485D1}" type="slidenum">
               <a:t>&lt;#&gt;</a:t>
             </a:fld>
           </a:p>
@@ -2307,7 +2307,7 @@
         <p:spPr>
           <a:xfrm>
             <a:off x="228600" y="-1139760"/>
-            <a:ext cx="4113720" cy="3125160"/>
+            <a:ext cx="4113000" cy="3125160"/>
           </a:xfrm>
           <a:prstGeom prst="rect">
             <a:avLst/>
@@ -2497,7 +2497,7 @@
         <p:txBody>
           <a:bodyPr/>
           <a:p>
-            <a:fld id="{54906FF9-B0FF-4BF6-9DB7-DFED3C633195}" type="slidenum">
+            <a:fld id="{9EA7EE6C-5F5E-4D60-97B1-CD93A16E8D8F}" type="slidenum">
               <a:t>&lt;#&gt;</a:t>
             </a:fld>
           </a:p>
@@ -2559,7 +2559,7 @@
         <p:spPr>
           <a:xfrm>
             <a:off x="228600" y="-1139760"/>
-            <a:ext cx="4113720" cy="3125160"/>
+            <a:ext cx="4113000" cy="3125160"/>
           </a:xfrm>
           <a:prstGeom prst="rect">
             <a:avLst/>
@@ -2749,7 +2749,7 @@
         <p:txBody>
           <a:bodyPr/>
           <a:p>
-            <a:fld id="{12112A29-92FA-4EC4-8394-1CD15DEBAF8A}" type="slidenum">
+            <a:fld id="{A40AC0ED-BB05-40DD-88FC-69D91A4E4144}" type="slidenum">
               <a:t>&lt;#&gt;</a:t>
             </a:fld>
           </a:p>
@@ -2811,7 +2811,7 @@
         <p:spPr>
           <a:xfrm>
             <a:off x="228600" y="-1139760"/>
-            <a:ext cx="4113720" cy="3125160"/>
+            <a:ext cx="4113000" cy="3125160"/>
           </a:xfrm>
           <a:prstGeom prst="rect">
             <a:avLst/>
@@ -2958,7 +2958,7 @@
         <p:txBody>
           <a:bodyPr/>
           <a:p>
-            <a:fld id="{086CB4C5-8EAA-49D5-A27E-A655CE268843}" type="slidenum">
+            <a:fld id="{A5F07601-85CE-4516-907F-6023DC465D07}" type="slidenum">
               <a:t>&lt;#&gt;</a:t>
             </a:fld>
           </a:p>
@@ -3020,7 +3020,7 @@
         <p:spPr>
           <a:xfrm>
             <a:off x="228600" y="-1139760"/>
-            <a:ext cx="4113720" cy="3125160"/>
+            <a:ext cx="4113000" cy="3125160"/>
           </a:xfrm>
           <a:prstGeom prst="rect">
             <a:avLst/>
@@ -3253,7 +3253,7 @@
         <p:txBody>
           <a:bodyPr/>
           <a:p>
-            <a:fld id="{9414CCA3-E738-41F0-A33E-A328277BE9C1}" type="slidenum">
+            <a:fld id="{A6652A89-54C3-4487-B131-532127DB5B49}" type="slidenum">
               <a:t>&lt;#&gt;</a:t>
             </a:fld>
           </a:p>
@@ -3315,7 +3315,7 @@
         <p:spPr>
           <a:xfrm>
             <a:off x="228600" y="-1139760"/>
-            <a:ext cx="4113720" cy="3125160"/>
+            <a:ext cx="4113000" cy="3125160"/>
           </a:xfrm>
           <a:prstGeom prst="rect">
             <a:avLst/>
@@ -3634,7 +3634,7 @@
         <p:txBody>
           <a:bodyPr/>
           <a:p>
-            <a:fld id="{19768676-6FB3-4CB8-A2F6-FFDA6B4B5FC4}" type="slidenum">
+            <a:fld id="{20FCB344-C397-4AAF-B753-9DF5C4BFA305}" type="slidenum">
               <a:t>&lt;#&gt;</a:t>
             </a:fld>
           </a:p>
@@ -3696,7 +3696,7 @@
         <p:spPr>
           <a:xfrm>
             <a:off x="228600" y="-1139760"/>
-            <a:ext cx="4113720" cy="3125160"/>
+            <a:ext cx="4113000" cy="3125160"/>
           </a:xfrm>
           <a:prstGeom prst="rect">
             <a:avLst/>
@@ -3800,7 +3800,7 @@
         <p:txBody>
           <a:bodyPr/>
           <a:p>
-            <a:fld id="{628E36F7-97A4-4E21-995E-2EE3331BA598}" type="slidenum">
+            <a:fld id="{5C23DD2C-E7E4-4265-B0F7-2F3AF49C6BB5}" type="slidenum">
               <a:t>&lt;#&gt;</a:t>
             </a:fld>
           </a:p>
@@ -3862,7 +3862,7 @@
         <p:spPr>
           <a:xfrm>
             <a:off x="228600" y="-1139760"/>
-            <a:ext cx="4113720" cy="3125160"/>
+            <a:ext cx="4113000" cy="3125160"/>
           </a:xfrm>
           <a:prstGeom prst="rect">
             <a:avLst/>
@@ -4009,7 +4009,7 @@
         <p:txBody>
           <a:bodyPr/>
           <a:p>
-            <a:fld id="{C364D201-F87D-4126-BC7B-9E0FC6CBB65F}" type="slidenum">
+            <a:fld id="{E821CA1D-4C87-4425-A627-1068B22EEE20}" type="slidenum">
               <a:t>&lt;#&gt;</a:t>
             </a:fld>
           </a:p>
@@ -4071,7 +4071,7 @@
         <p:spPr>
           <a:xfrm>
             <a:off x="228600" y="-1139760"/>
-            <a:ext cx="4113720" cy="3125160"/>
+            <a:ext cx="4113000" cy="3125160"/>
           </a:xfrm>
           <a:prstGeom prst="rect">
             <a:avLst/>
@@ -4132,7 +4132,7 @@
         <p:txBody>
           <a:bodyPr/>
           <a:p>
-            <a:fld id="{E03B529E-9D17-4ECA-AAED-DD34C660FECF}" type="slidenum">
+            <a:fld id="{DBDC250B-40AC-4720-97C5-BA3043139ECD}" type="slidenum">
               <a:t>&lt;#&gt;</a:t>
             </a:fld>
           </a:p>
@@ -4194,7 +4194,7 @@
         <p:spPr>
           <a:xfrm>
             <a:off x="228600" y="959400"/>
-            <a:ext cx="4113720" cy="10287360"/>
+            <a:ext cx="4113000" cy="10287360"/>
           </a:xfrm>
           <a:prstGeom prst="rect">
             <a:avLst/>
@@ -4253,7 +4253,7 @@
         <p:txBody>
           <a:bodyPr/>
           <a:p>
-            <a:fld id="{1399B5CA-FC4F-4ED0-AA66-631C8BC0B3FF}" type="slidenum">
+            <a:fld id="{99810994-F1BD-48A7-B47D-44A4E1E02D03}" type="slidenum">
               <a:t>&lt;#&gt;</a:t>
             </a:fld>
           </a:p>
@@ -4315,7 +4315,7 @@
         <p:spPr>
           <a:xfrm>
             <a:off x="228600" y="-1139760"/>
-            <a:ext cx="4113720" cy="3125160"/>
+            <a:ext cx="4113000" cy="3125160"/>
           </a:xfrm>
           <a:prstGeom prst="rect">
             <a:avLst/>
@@ -4505,7 +4505,7 @@
         <p:txBody>
           <a:bodyPr/>
           <a:p>
-            <a:fld id="{DF61F231-1F4E-4E69-84A2-04BCBA6B9951}" type="slidenum">
+            <a:fld id="{ECCAF282-F04B-4DA1-9E84-A1F92C9BAD86}" type="slidenum">
               <a:t>&lt;#&gt;</a:t>
             </a:fld>
           </a:p>
@@ -4567,7 +4567,7 @@
         <p:spPr>
           <a:xfrm>
             <a:off x="228600" y="-1139760"/>
-            <a:ext cx="4113720" cy="3125160"/>
+            <a:ext cx="4113000" cy="3125160"/>
           </a:xfrm>
           <a:prstGeom prst="rect">
             <a:avLst/>
@@ -4757,7 +4757,7 @@
         <p:txBody>
           <a:bodyPr/>
           <a:p>
-            <a:fld id="{5D75A355-903C-41D5-9AC7-B104EC323201}" type="slidenum">
+            <a:fld id="{0557CB75-D8A0-499C-A3F4-AE3A0EFE1652}" type="slidenum">
               <a:t>&lt;#&gt;</a:t>
             </a:fld>
           </a:p>
@@ -4819,7 +4819,7 @@
         <p:spPr>
           <a:xfrm>
             <a:off x="228600" y="-1139760"/>
-            <a:ext cx="4113720" cy="3125160"/>
+            <a:ext cx="4113000" cy="3125160"/>
           </a:xfrm>
           <a:prstGeom prst="rect">
             <a:avLst/>
@@ -5009,7 +5009,7 @@
         <p:txBody>
           <a:bodyPr/>
           <a:p>
-            <a:fld id="{C28BDBA3-8E76-4D94-B45E-83A1786DC198}" type="slidenum">
+            <a:fld id="{4F60E543-04E5-4F91-8833-4CDA9AC3507F}" type="slidenum">
               <a:t>&lt;#&gt;</a:t>
             </a:fld>
           </a:p>
@@ -5078,7 +5078,7 @@
         <p:spPr>
           <a:xfrm>
             <a:off x="1562040" y="3178080"/>
-            <a:ext cx="1446840" cy="181440"/>
+            <a:ext cx="1446120" cy="180720"/>
           </a:xfrm>
           <a:prstGeom prst="rect">
             <a:avLst/>
@@ -5150,7 +5150,7 @@
         <p:spPr>
           <a:xfrm>
             <a:off x="3276720" y="3178080"/>
-            <a:ext cx="1065600" cy="181440"/>
+            <a:ext cx="1064880" cy="180720"/>
           </a:xfrm>
           <a:prstGeom prst="rect">
             <a:avLst/>
@@ -5192,7 +5192,7 @@
                 <a:tab algn="l" pos="0"/>
               </a:tabLst>
             </a:pPr>
-            <a:fld id="{55E0A457-8C9D-4475-AE56-BFFD91A9E7E2}" type="slidenum">
+            <a:fld id="{8BEFFBE0-F352-427D-8743-1A505350B856}" type="slidenum">
               <a:rPr b="0" lang="en-US" sz="600" spc="-1" strike="noStrike">
                 <a:solidFill>
                   <a:srgbClr val="888888"/>
@@ -5224,7 +5224,7 @@
         <p:spPr>
           <a:xfrm>
             <a:off x="228600" y="3178080"/>
-            <a:ext cx="1065600" cy="181440"/>
+            <a:ext cx="1064880" cy="180720"/>
           </a:xfrm>
           <a:prstGeom prst="rect">
             <a:avLst/>
@@ -5602,7 +5602,7 @@
         <p:spPr>
           <a:xfrm>
             <a:off x="228600" y="-1139760"/>
-            <a:ext cx="4113720" cy="3124800"/>
+            <a:ext cx="4113000" cy="3124800"/>
           </a:xfrm>
           <a:prstGeom prst="rect">
             <a:avLst/>
@@ -5651,7 +5651,7 @@
         <p:spPr>
           <a:xfrm>
             <a:off x="1562040" y="3178080"/>
-            <a:ext cx="1446840" cy="181440"/>
+            <a:ext cx="1446120" cy="180720"/>
           </a:xfrm>
           <a:prstGeom prst="rect">
             <a:avLst/>
@@ -5723,7 +5723,7 @@
         <p:spPr>
           <a:xfrm>
             <a:off x="3276720" y="3178080"/>
-            <a:ext cx="1065600" cy="181440"/>
+            <a:ext cx="1064880" cy="180720"/>
           </a:xfrm>
           <a:prstGeom prst="rect">
             <a:avLst/>
@@ -5765,7 +5765,7 @@
                 <a:tab algn="l" pos="0"/>
               </a:tabLst>
             </a:pPr>
-            <a:fld id="{C45AAF70-0A25-4611-BDD4-6084B3870B58}" type="slidenum">
+            <a:fld id="{71F95721-FD7B-4762-9E9C-B17442B2BA66}" type="slidenum">
               <a:rPr b="0" lang="en-US" sz="600" spc="-1" strike="noStrike">
                 <a:solidFill>
                   <a:srgbClr val="888888"/>
@@ -5797,7 +5797,7 @@
         <p:spPr>
           <a:xfrm>
             <a:off x="228600" y="3178080"/>
-            <a:ext cx="1065600" cy="181440"/>
+            <a:ext cx="1064880" cy="180720"/>
           </a:xfrm>
           <a:prstGeom prst="rect">
             <a:avLst/>
@@ -6123,7 +6123,7 @@
         <p:spPr>
           <a:xfrm>
             <a:off x="2286000" y="420120"/>
-            <a:ext cx="6918480" cy="497520"/>
+            <a:ext cx="6917760" cy="497520"/>
           </a:xfrm>
           <a:prstGeom prst="rect">
             <a:avLst/>
@@ -6160,7 +6160,67 @@
                 <a:latin typeface="Arial"/>
                 <a:ea typeface="Arial"/>
               </a:rPr>
-              <a:t>«Информация о команде»</a:t>
+              <a:t>«</a:t>
+            </a:r>
+            <a:r>
+              <a:rPr b="1" lang="ru-RU" sz="3000" spc="-1" strike="noStrike">
+                <a:solidFill>
+                  <a:srgbClr val="000000"/>
+                </a:solidFill>
+                <a:latin typeface="Arial"/>
+                <a:ea typeface="Arial"/>
+              </a:rPr>
+              <a:t>Информация</a:t>
+            </a:r>
+            <a:r>
+              <a:rPr b="1" lang="en-US" sz="3000" spc="-1" strike="noStrike">
+                <a:solidFill>
+                  <a:srgbClr val="000000"/>
+                </a:solidFill>
+                <a:latin typeface="Arial"/>
+                <a:ea typeface="Arial"/>
+              </a:rPr>
+              <a:t> </a:t>
+            </a:r>
+            <a:r>
+              <a:rPr b="1" lang="ru-RU" sz="3000" spc="-1" strike="noStrike">
+                <a:solidFill>
+                  <a:srgbClr val="000000"/>
+                </a:solidFill>
+                <a:latin typeface="Arial"/>
+                <a:ea typeface="Arial"/>
+              </a:rPr>
+              <a:t>о</a:t>
+            </a:r>
+            <a:r>
+              <a:rPr b="1" lang="en-US" sz="3000" spc="-1" strike="noStrike">
+                <a:solidFill>
+                  <a:srgbClr val="000000"/>
+                </a:solidFill>
+                <a:latin typeface="Arial"/>
+                <a:ea typeface="Arial"/>
+              </a:rPr>
+              <a:t> </a:t>
+            </a:r>
+            <a:r>
+              <a:rPr b="1" lang="ru-RU" sz="3000" spc="-1" strike="noStrike">
+                <a:solidFill>
+                  <a:srgbClr val="000000"/>
+                </a:solidFill>
+                <a:latin typeface="Arial"/>
+                <a:ea typeface="Arial"/>
+              </a:rPr>
+              <a:t>команде</a:t>
+            </a:r>
+            <a:r>
+              <a:rPr b="1" lang="en-US" sz="3000" spc="-1" strike="noStrike">
+                <a:solidFill>
+                  <a:srgbClr val="000000"/>
+                </a:solidFill>
+                <a:latin typeface="Arial"/>
+                <a:ea typeface="Arial"/>
+              </a:rPr>
+              <a:t>»</a:t>
             </a:r>
             <a:endParaRPr b="0" lang="ru-RU" sz="3000" spc="-1" strike="noStrike">
               <a:solidFill>
@@ -6180,7 +6240,7 @@
         <p:spPr>
           <a:xfrm>
             <a:off x="460080" y="3494880"/>
-            <a:ext cx="7926840" cy="477720"/>
+            <a:ext cx="7926120" cy="477720"/>
           </a:xfrm>
           <a:prstGeom prst="rect">
             <a:avLst/>
@@ -6259,7 +6319,7 @@
         <p:spPr>
           <a:xfrm>
             <a:off x="351000" y="1459440"/>
-            <a:ext cx="7926840" cy="2237400"/>
+            <a:ext cx="7926120" cy="2237400"/>
           </a:xfrm>
           <a:prstGeom prst="rect">
             <a:avLst/>
@@ -6530,7 +6590,7 @@
         <p:spPr>
           <a:xfrm>
             <a:off x="2286000" y="430560"/>
-            <a:ext cx="6917760" cy="995400"/>
+            <a:ext cx="6917040" cy="995400"/>
           </a:xfrm>
           <a:prstGeom prst="rect">
             <a:avLst/>
@@ -6603,7 +6663,7 @@
         <p:spPr>
           <a:xfrm>
             <a:off x="2286000" y="851760"/>
-            <a:ext cx="7755480" cy="212760"/>
+            <a:ext cx="7754760" cy="212760"/>
           </a:xfrm>
           <a:prstGeom prst="rect">
             <a:avLst/>
@@ -6660,7 +6720,7 @@
         <p:spPr>
           <a:xfrm>
             <a:off x="5729400" y="4798800"/>
-            <a:ext cx="3267000" cy="216720"/>
+            <a:ext cx="3266280" cy="216720"/>
           </a:xfrm>
           <a:prstGeom prst="rect">
             <a:avLst/>
@@ -6717,15 +6777,15 @@
         <p:spPr>
           <a:xfrm>
             <a:off x="550800" y="1364040"/>
-            <a:ext cx="8011800" cy="2829240"/>
+            <a:ext cx="8011080" cy="2828520"/>
           </a:xfrm>
           <a:custGeom>
             <a:avLst/>
             <a:gdLst>
-              <a:gd name="textAreaLeft" fmla="*/ 0 w 8011800"/>
-              <a:gd name="textAreaRight" fmla="*/ 8012880 w 8011800"/>
-              <a:gd name="textAreaTop" fmla="*/ 0 h 2829240"/>
-              <a:gd name="textAreaBottom" fmla="*/ 2830320 h 2829240"/>
+              <a:gd name="textAreaLeft" fmla="*/ 0 w 8011080"/>
+              <a:gd name="textAreaRight" fmla="*/ 8012880 w 8011080"/>
+              <a:gd name="textAreaTop" fmla="*/ 0 h 2828520"/>
+              <a:gd name="textAreaBottom" fmla="*/ 2830320 h 2828520"/>
             </a:gdLst>
             <a:ahLst/>
             <a:rect l="textAreaLeft" t="textAreaTop" r="textAreaRight" b="textAreaBottom"/>
@@ -6846,7 +6906,7 @@
         <p:spPr>
           <a:xfrm>
             <a:off x="2286000" y="430560"/>
-            <a:ext cx="6917760" cy="995400"/>
+            <a:ext cx="6917040" cy="995400"/>
           </a:xfrm>
           <a:prstGeom prst="rect">
             <a:avLst/>
@@ -6919,7 +6979,7 @@
         <p:spPr>
           <a:xfrm>
             <a:off x="2286000" y="851760"/>
-            <a:ext cx="7755480" cy="212760"/>
+            <a:ext cx="7754760" cy="212760"/>
           </a:xfrm>
           <a:prstGeom prst="rect">
             <a:avLst/>
@@ -6976,15 +7036,15 @@
         <p:spPr>
           <a:xfrm>
             <a:off x="550800" y="1364040"/>
-            <a:ext cx="8011800" cy="2829240"/>
+            <a:ext cx="8011080" cy="2828520"/>
           </a:xfrm>
           <a:custGeom>
             <a:avLst/>
             <a:gdLst>
-              <a:gd name="textAreaLeft" fmla="*/ 0 w 8011800"/>
-              <a:gd name="textAreaRight" fmla="*/ 8012880 w 8011800"/>
-              <a:gd name="textAreaTop" fmla="*/ 0 h 2829240"/>
-              <a:gd name="textAreaBottom" fmla="*/ 2830320 h 2829240"/>
+              <a:gd name="textAreaLeft" fmla="*/ 0 w 8011080"/>
+              <a:gd name="textAreaRight" fmla="*/ 8012880 w 8011080"/>
+              <a:gd name="textAreaTop" fmla="*/ 0 h 2828520"/>
+              <a:gd name="textAreaBottom" fmla="*/ 2830320 h 2828520"/>
             </a:gdLst>
             <a:ahLst/>
             <a:rect l="textAreaLeft" t="textAreaTop" r="textAreaRight" b="textAreaBottom"/>
@@ -7067,7 +7127,7 @@
         <p:spPr>
           <a:xfrm>
             <a:off x="5729400" y="4798800"/>
-            <a:ext cx="3267000" cy="216720"/>
+            <a:ext cx="3266280" cy="216720"/>
           </a:xfrm>
           <a:prstGeom prst="rect">
             <a:avLst/>
@@ -7162,15 +7222,15 @@
         <p:spPr>
           <a:xfrm>
             <a:off x="514440" y="2628720"/>
-            <a:ext cx="8114400" cy="1999440"/>
+            <a:ext cx="8113680" cy="1998720"/>
           </a:xfrm>
           <a:custGeom>
             <a:avLst/>
             <a:gdLst>
-              <a:gd name="textAreaLeft" fmla="*/ 0 w 8114400"/>
-              <a:gd name="textAreaRight" fmla="*/ 8115480 w 8114400"/>
-              <a:gd name="textAreaTop" fmla="*/ 0 h 1999440"/>
-              <a:gd name="textAreaBottom" fmla="*/ 2000520 h 1999440"/>
+              <a:gd name="textAreaLeft" fmla="*/ 0 w 8113680"/>
+              <a:gd name="textAreaRight" fmla="*/ 8115480 w 8113680"/>
+              <a:gd name="textAreaTop" fmla="*/ 0 h 1998720"/>
+              <a:gd name="textAreaBottom" fmla="*/ 2000520 h 1998720"/>
             </a:gdLst>
             <a:ahLst/>
             <a:rect l="textAreaLeft" t="textAreaTop" r="textAreaRight" b="textAreaBottom"/>
@@ -7253,7 +7313,7 @@
         <p:spPr>
           <a:xfrm>
             <a:off x="329400" y="1222200"/>
-            <a:ext cx="7986600" cy="1065240"/>
+            <a:ext cx="7985880" cy="1065240"/>
           </a:xfrm>
           <a:prstGeom prst="rect">
             <a:avLst/>
@@ -7362,7 +7422,7 @@
         <p:spPr>
           <a:xfrm>
             <a:off x="642960" y="2687760"/>
-            <a:ext cx="7858080" cy="425880"/>
+            <a:ext cx="7857360" cy="425880"/>
           </a:xfrm>
           <a:prstGeom prst="rect">
             <a:avLst/>
@@ -7419,7 +7479,7 @@
         <p:spPr>
           <a:xfrm>
             <a:off x="5434920" y="0"/>
-            <a:ext cx="3708000" cy="216720"/>
+            <a:ext cx="3707280" cy="216720"/>
           </a:xfrm>
           <a:prstGeom prst="rect">
             <a:avLst/>
@@ -7476,7 +7536,7 @@
         <p:spPr>
           <a:xfrm>
             <a:off x="2286000" y="430560"/>
-            <a:ext cx="6917760" cy="995400"/>
+            <a:ext cx="6917040" cy="995400"/>
           </a:xfrm>
           <a:prstGeom prst="rect">
             <a:avLst/>
@@ -7587,15 +7647,15 @@
         <p:spPr>
           <a:xfrm>
             <a:off x="514440" y="1400040"/>
-            <a:ext cx="8114400" cy="3227760"/>
+            <a:ext cx="8113680" cy="3227040"/>
           </a:xfrm>
           <a:custGeom>
             <a:avLst/>
             <a:gdLst>
-              <a:gd name="textAreaLeft" fmla="*/ 0 w 8114400"/>
-              <a:gd name="textAreaRight" fmla="*/ 8115480 w 8114400"/>
-              <a:gd name="textAreaTop" fmla="*/ 0 h 3227760"/>
-              <a:gd name="textAreaBottom" fmla="*/ 3228840 h 3227760"/>
+              <a:gd name="textAreaLeft" fmla="*/ 0 w 8113680"/>
+              <a:gd name="textAreaRight" fmla="*/ 8115480 w 8113680"/>
+              <a:gd name="textAreaTop" fmla="*/ 0 h 3227040"/>
+              <a:gd name="textAreaBottom" fmla="*/ 3228840 h 3227040"/>
             </a:gdLst>
             <a:ahLst/>
             <a:rect l="textAreaLeft" t="textAreaTop" r="textAreaRight" b="textAreaBottom"/>
@@ -7678,7 +7738,7 @@
         <p:spPr>
           <a:xfrm>
             <a:off x="2286000" y="420480"/>
-            <a:ext cx="6198480" cy="497520"/>
+            <a:ext cx="6197760" cy="497520"/>
           </a:xfrm>
           <a:prstGeom prst="rect">
             <a:avLst/>
@@ -7734,8 +7794,8 @@
         </p:nvSpPr>
         <p:spPr>
           <a:xfrm>
-            <a:off x="2286000" y="840960"/>
-            <a:ext cx="7986960" cy="212760"/>
+            <a:off x="540000" y="4680000"/>
+            <a:ext cx="7986240" cy="212760"/>
           </a:xfrm>
           <a:prstGeom prst="rect">
             <a:avLst/>
@@ -7792,7 +7852,7 @@
         <p:spPr>
           <a:xfrm>
             <a:off x="5729400" y="4798800"/>
-            <a:ext cx="3267360" cy="216720"/>
+            <a:ext cx="3266640" cy="216720"/>
           </a:xfrm>
           <a:prstGeom prst="rect">
             <a:avLst/>
@@ -7840,6 +7900,83 @@
           </a:p>
         </p:txBody>
       </p:sp>
+      <p:sp>
+        <p:nvSpPr>
+          <p:cNvPr id="136" name=""/>
+          <p:cNvSpPr/>
+          <p:nvPr/>
+        </p:nvSpPr>
+        <p:spPr>
+          <a:xfrm>
+            <a:off x="2286000" y="900000"/>
+            <a:ext cx="3833640" cy="301680"/>
+          </a:xfrm>
+          <a:prstGeom prst="rect">
+            <a:avLst/>
+          </a:prstGeom>
+          <a:noFill/>
+          <a:ln w="0">
+            <a:noFill/>
+          </a:ln>
+        </p:spPr>
+        <p:style>
+          <a:lnRef idx="0"/>
+          <a:fillRef idx="0"/>
+          <a:effectRef idx="0"/>
+          <a:fontRef idx="minor"/>
+        </p:style>
+        <p:txBody>
+          <a:bodyPr lIns="90000" rIns="90000" tIns="45000" bIns="45000" anchor="t">
+            <a:noAutofit/>
+          </a:bodyPr>
+          <a:p>
+            <a:pPr>
+              <a:lnSpc>
+                <a:spcPct val="100000"/>
+              </a:lnSpc>
+            </a:pPr>
+            <a:r>
+              <a:rPr b="0" lang="en-US" sz="1500" spc="-1" strike="noStrike">
+                <a:solidFill>
+                  <a:srgbClr val="000000"/>
+                </a:solidFill>
+                <a:latin typeface="Arial"/>
+                <a:ea typeface="Arial"/>
+              </a:rPr>
+              <a:t>экономическая оценка</a:t>
+            </a:r>
+            <a:endParaRPr b="0" lang="ru-RU" sz="1500" spc="-1" strike="noStrike">
+              <a:solidFill>
+                <a:srgbClr val="000000"/>
+              </a:solidFill>
+              <a:latin typeface="Arial"/>
+            </a:endParaRPr>
+          </a:p>
+        </p:txBody>
+      </p:sp>
+      <p:pic>
+        <p:nvPicPr>
+          <p:cNvPr id="137" name="" descr=""/>
+          <p:cNvPicPr/>
+          <p:nvPr/>
+        </p:nvPicPr>
+        <p:blipFill>
+          <a:blip r:embed="rId2"/>
+          <a:stretch/>
+        </p:blipFill>
+        <p:spPr>
+          <a:xfrm>
+            <a:off x="540000" y="1499760"/>
+            <a:ext cx="4680000" cy="2640240"/>
+          </a:xfrm>
+          <a:prstGeom prst="rect">
+            <a:avLst/>
+          </a:prstGeom>
+          <a:ln w="0">
+            <a:noFill/>
+          </a:ln>
+        </p:spPr>
+      </p:pic>
     </p:spTree>
   </p:cSld>
   <mc:AlternateContent>
@@ -7880,22 +8017,22 @@
       </p:grpSpPr>
       <p:sp>
         <p:nvSpPr>
-          <p:cNvPr id="136" name="Google Shape;180;g23e5a4e4c64_1_44"/>
+          <p:cNvPr id="138" name="Google Shape;180;g23e5a4e4c64_1_44"/>
           <p:cNvSpPr/>
           <p:nvPr/>
         </p:nvSpPr>
         <p:spPr>
           <a:xfrm>
             <a:off x="514440" y="1400040"/>
-            <a:ext cx="8047440" cy="3223080"/>
+            <a:ext cx="8046720" cy="3222360"/>
           </a:xfrm>
           <a:custGeom>
             <a:avLst/>
             <a:gdLst>
-              <a:gd name="textAreaLeft" fmla="*/ 0 w 8047440"/>
-              <a:gd name="textAreaRight" fmla="*/ 8048520 w 8047440"/>
-              <a:gd name="textAreaTop" fmla="*/ 0 h 3223080"/>
-              <a:gd name="textAreaBottom" fmla="*/ 3224160 h 3223080"/>
+              <a:gd name="textAreaLeft" fmla="*/ 0 w 8046720"/>
+              <a:gd name="textAreaRight" fmla="*/ 8048520 w 8046720"/>
+              <a:gd name="textAreaTop" fmla="*/ 0 h 3222360"/>
+              <a:gd name="textAreaBottom" fmla="*/ 3224160 h 3222360"/>
             </a:gdLst>
             <a:ahLst/>
             <a:rect l="textAreaLeft" t="textAreaTop" r="textAreaRight" b="textAreaBottom"/>
@@ -7971,14 +8108,14 @@
       </p:sp>
       <p:sp>
         <p:nvSpPr>
-          <p:cNvPr id="137" name="Google Shape;181;g23e5a4e4c64_1_44"/>
+          <p:cNvPr id="139" name="Google Shape;181;g23e5a4e4c64_1_44"/>
           <p:cNvSpPr/>
           <p:nvPr/>
         </p:nvSpPr>
         <p:spPr>
           <a:xfrm>
             <a:off x="2286000" y="420480"/>
-            <a:ext cx="6198480" cy="497520"/>
+            <a:ext cx="6197760" cy="497520"/>
           </a:xfrm>
           <a:prstGeom prst="rect">
             <a:avLst/>
@@ -8028,14 +8165,14 @@
       </p:sp>
       <p:sp>
         <p:nvSpPr>
-          <p:cNvPr id="138" name="Google Shape;182;g23e5a4e4c64_1_44"/>
+          <p:cNvPr id="140" name="Google Shape;182;g23e5a4e4c64_1_44"/>
           <p:cNvSpPr/>
           <p:nvPr/>
         </p:nvSpPr>
         <p:spPr>
           <a:xfrm>
             <a:off x="2286000" y="840960"/>
-            <a:ext cx="7986600" cy="212760"/>
+            <a:ext cx="7985880" cy="212760"/>
           </a:xfrm>
           <a:prstGeom prst="rect">
             <a:avLst/>
@@ -8085,14 +8222,14 @@
       </p:sp>
       <p:sp>
         <p:nvSpPr>
-          <p:cNvPr id="139" name="Google Shape;183;g23e5a4e4c64_1_44"/>
+          <p:cNvPr id="141" name="Google Shape;183;g23e5a4e4c64_1_44"/>
           <p:cNvSpPr/>
           <p:nvPr/>
         </p:nvSpPr>
         <p:spPr>
           <a:xfrm>
             <a:off x="5729400" y="4798800"/>
-            <a:ext cx="3267000" cy="216720"/>
+            <a:ext cx="3266280" cy="216720"/>
           </a:xfrm>
           <a:prstGeom prst="rect">
             <a:avLst/>
@@ -8180,22 +8317,22 @@
       </p:grpSpPr>
       <p:sp>
         <p:nvSpPr>
-          <p:cNvPr id="140" name="Google Shape;188;p44"/>
+          <p:cNvPr id="142" name="Google Shape;188;p44"/>
           <p:cNvSpPr/>
           <p:nvPr/>
         </p:nvSpPr>
         <p:spPr>
           <a:xfrm>
             <a:off x="514440" y="1400040"/>
-            <a:ext cx="8114400" cy="3227760"/>
+            <a:ext cx="8113680" cy="3227040"/>
           </a:xfrm>
           <a:custGeom>
             <a:avLst/>
             <a:gdLst>
-              <a:gd name="textAreaLeft" fmla="*/ 0 w 8114400"/>
-              <a:gd name="textAreaRight" fmla="*/ 8115480 w 8114400"/>
-              <a:gd name="textAreaTop" fmla="*/ 0 h 3227760"/>
-              <a:gd name="textAreaBottom" fmla="*/ 3228840 h 3227760"/>
+              <a:gd name="textAreaLeft" fmla="*/ 0 w 8113680"/>
+              <a:gd name="textAreaRight" fmla="*/ 8115480 w 8113680"/>
+              <a:gd name="textAreaTop" fmla="*/ 0 h 3227040"/>
+              <a:gd name="textAreaBottom" fmla="*/ 3228840 h 3227040"/>
             </a:gdLst>
             <a:ahLst/>
             <a:rect l="textAreaLeft" t="textAreaTop" r="textAreaRight" b="textAreaBottom"/>
@@ -8271,14 +8408,14 @@
       </p:sp>
       <p:sp>
         <p:nvSpPr>
-          <p:cNvPr id="141" name="Google Shape;189;p44"/>
+          <p:cNvPr id="143" name="Google Shape;189;p44"/>
           <p:cNvSpPr/>
           <p:nvPr/>
         </p:nvSpPr>
         <p:spPr>
           <a:xfrm>
             <a:off x="2286000" y="420480"/>
-            <a:ext cx="6198480" cy="497520"/>
+            <a:ext cx="6197760" cy="497520"/>
           </a:xfrm>
           <a:prstGeom prst="rect">
             <a:avLst/>
@@ -8328,14 +8465,14 @@
       </p:sp>
       <p:sp>
         <p:nvSpPr>
-          <p:cNvPr id="142" name="Google Shape;190;p44"/>
+          <p:cNvPr id="144" name="Google Shape;190;p44"/>
           <p:cNvSpPr/>
           <p:nvPr/>
         </p:nvSpPr>
         <p:spPr>
           <a:xfrm>
             <a:off x="2286000" y="840960"/>
-            <a:ext cx="7986960" cy="212760"/>
+            <a:ext cx="7986240" cy="212760"/>
           </a:xfrm>
           <a:prstGeom prst="rect">
             <a:avLst/>
@@ -8385,14 +8522,14 @@
       </p:sp>
       <p:sp>
         <p:nvSpPr>
-          <p:cNvPr id="143" name="Google Shape;191;p44"/>
+          <p:cNvPr id="145" name="Google Shape;191;p44"/>
           <p:cNvSpPr/>
           <p:nvPr/>
         </p:nvSpPr>
         <p:spPr>
           <a:xfrm>
             <a:off x="5729400" y="4798800"/>
-            <a:ext cx="3267360" cy="216720"/>
+            <a:ext cx="3266640" cy="216720"/>
           </a:xfrm>
           <a:prstGeom prst="rect">
             <a:avLst/>
@@ -8480,7 +8617,7 @@
       </p:grpSpPr>
       <p:sp>
         <p:nvSpPr>
-          <p:cNvPr id="144" name="PlaceHolder 1"/>
+          <p:cNvPr id="146" name="PlaceHolder 1"/>
           <p:cNvSpPr>
             <a:spLocks noGrp="1"/>
           </p:cNvSpPr>
@@ -8491,7 +8628,7 @@
         <p:spPr>
           <a:xfrm>
             <a:off x="2169720" y="373320"/>
-            <a:ext cx="4113720" cy="570600"/>
+            <a:ext cx="4113000" cy="569880"/>
           </a:xfrm>
           <a:prstGeom prst="rect">
             <a:avLst/>
@@ -8536,14 +8673,14 @@
       </p:sp>
       <p:sp>
         <p:nvSpPr>
-          <p:cNvPr id="145" name="Google Shape;197;p48"/>
+          <p:cNvPr id="147" name="Google Shape;197;p48"/>
           <p:cNvSpPr/>
           <p:nvPr/>
         </p:nvSpPr>
         <p:spPr>
           <a:xfrm>
             <a:off x="343080" y="1381320"/>
-            <a:ext cx="7943040" cy="1612440"/>
+            <a:ext cx="7942320" cy="1612440"/>
           </a:xfrm>
           <a:prstGeom prst="rect">
             <a:avLst/>
@@ -8765,14 +8902,14 @@
       </p:sp>
       <p:sp>
         <p:nvSpPr>
-          <p:cNvPr id="146" name="Google Shape;198;p48"/>
+          <p:cNvPr id="148" name="Google Shape;198;p48"/>
           <p:cNvSpPr/>
           <p:nvPr/>
         </p:nvSpPr>
         <p:spPr>
           <a:xfrm>
             <a:off x="5434920" y="0"/>
-            <a:ext cx="3708000" cy="216720"/>
+            <a:ext cx="3707280" cy="216720"/>
           </a:xfrm>
           <a:prstGeom prst="rect">
             <a:avLst/>
@@ -8822,22 +8959,22 @@
       </p:sp>
       <p:sp>
         <p:nvSpPr>
-          <p:cNvPr id="147" name="Google Shape;199;p48"/>
+          <p:cNvPr id="149" name="Google Shape;199;p48"/>
           <p:cNvSpPr/>
           <p:nvPr/>
         </p:nvSpPr>
         <p:spPr>
           <a:xfrm>
             <a:off x="343080" y="1381320"/>
-            <a:ext cx="8047440" cy="3223080"/>
+            <a:ext cx="8046720" cy="3222360"/>
           </a:xfrm>
           <a:custGeom>
             <a:avLst/>
             <a:gdLst>
-              <a:gd name="textAreaLeft" fmla="*/ 0 w 8047440"/>
-              <a:gd name="textAreaRight" fmla="*/ 8048520 w 8047440"/>
-              <a:gd name="textAreaTop" fmla="*/ 0 h 3223080"/>
-              <a:gd name="textAreaBottom" fmla="*/ 3224160 h 3223080"/>
+              <a:gd name="textAreaLeft" fmla="*/ 0 w 8046720"/>
+              <a:gd name="textAreaRight" fmla="*/ 8048520 w 8046720"/>
+              <a:gd name="textAreaTop" fmla="*/ 0 h 3222360"/>
+              <a:gd name="textAreaBottom" fmla="*/ 3224160 h 3222360"/>
             </a:gdLst>
             <a:ahLst/>
             <a:rect l="textAreaLeft" t="textAreaTop" r="textAreaRight" b="textAreaBottom"/>
@@ -8951,7 +9088,7 @@
       </p:grpSpPr>
       <p:sp>
         <p:nvSpPr>
-          <p:cNvPr id="148" name="PlaceHolder 1"/>
+          <p:cNvPr id="150" name="PlaceHolder 1"/>
           <p:cNvSpPr>
             <a:spLocks noGrp="1"/>
           </p:cNvSpPr>
@@ -8962,7 +9099,7 @@
         <p:spPr>
           <a:xfrm>
             <a:off x="2169720" y="373320"/>
-            <a:ext cx="4113720" cy="570600"/>
+            <a:ext cx="4113000" cy="569880"/>
           </a:xfrm>
           <a:prstGeom prst="rect">
             <a:avLst/>
@@ -9007,14 +9144,14 @@
       </p:sp>
       <p:sp>
         <p:nvSpPr>
-          <p:cNvPr id="149" name="Google Shape;205;g23f3a3aabf0_6_6"/>
+          <p:cNvPr id="151" name="Google Shape;205;g23f3a3aabf0_6_6"/>
           <p:cNvSpPr/>
           <p:nvPr/>
         </p:nvSpPr>
         <p:spPr>
           <a:xfrm>
             <a:off x="343080" y="1381320"/>
-            <a:ext cx="7943040" cy="245160"/>
+            <a:ext cx="7942320" cy="244440"/>
           </a:xfrm>
           <a:prstGeom prst="rect">
             <a:avLst/>
@@ -9055,14 +9192,14 @@
       </p:sp>
       <p:sp>
         <p:nvSpPr>
-          <p:cNvPr id="150" name="Google Shape;206;g23f3a3aabf0_6_6"/>
+          <p:cNvPr id="152" name="Google Shape;206;g23f3a3aabf0_6_6"/>
           <p:cNvSpPr/>
           <p:nvPr/>
         </p:nvSpPr>
         <p:spPr>
           <a:xfrm>
             <a:off x="5729400" y="4798800"/>
-            <a:ext cx="3267000" cy="216720"/>
+            <a:ext cx="3266280" cy="216720"/>
           </a:xfrm>
           <a:prstGeom prst="rect">
             <a:avLst/>
@@ -9112,22 +9249,22 @@
       </p:sp>
       <p:sp>
         <p:nvSpPr>
-          <p:cNvPr id="151" name="Google Shape;207;g23f3a3aabf0_6_6"/>
+          <p:cNvPr id="153" name="Google Shape;207;g23f3a3aabf0_6_6"/>
           <p:cNvSpPr/>
           <p:nvPr/>
         </p:nvSpPr>
         <p:spPr>
           <a:xfrm>
             <a:off x="514440" y="1400040"/>
-            <a:ext cx="8047440" cy="3223080"/>
+            <a:ext cx="8046720" cy="3222360"/>
           </a:xfrm>
           <a:custGeom>
             <a:avLst/>
             <a:gdLst>
-              <a:gd name="textAreaLeft" fmla="*/ 0 w 8047440"/>
-              <a:gd name="textAreaRight" fmla="*/ 8048520 w 8047440"/>
-              <a:gd name="textAreaTop" fmla="*/ 0 h 3223080"/>
-              <a:gd name="textAreaBottom" fmla="*/ 3224160 h 3223080"/>
+              <a:gd name="textAreaLeft" fmla="*/ 0 w 8046720"/>
+              <a:gd name="textAreaRight" fmla="*/ 8048520 w 8046720"/>
+              <a:gd name="textAreaTop" fmla="*/ 0 h 3222360"/>
+              <a:gd name="textAreaBottom" fmla="*/ 3224160 h 3222360"/>
             </a:gdLst>
             <a:ahLst/>
             <a:rect l="textAreaLeft" t="textAreaTop" r="textAreaRight" b="textAreaBottom"/>
@@ -9248,7 +9385,7 @@
         <p:spPr>
           <a:xfrm>
             <a:off x="396720" y="1388880"/>
-            <a:ext cx="7975080" cy="2407680"/>
+            <a:ext cx="7974360" cy="2407680"/>
           </a:xfrm>
           <a:prstGeom prst="rect">
             <a:avLst/>
@@ -9415,7 +9552,7 @@
         <p:spPr>
           <a:xfrm>
             <a:off x="5469120" y="-11160"/>
-            <a:ext cx="3669840" cy="216720"/>
+            <a:ext cx="3669120" cy="216720"/>
           </a:xfrm>
           <a:prstGeom prst="rect">
             <a:avLst/>
@@ -9472,7 +9609,7 @@
         <p:spPr>
           <a:xfrm>
             <a:off x="396720" y="3544200"/>
-            <a:ext cx="7975080" cy="928800"/>
+            <a:ext cx="7974360" cy="928800"/>
           </a:xfrm>
           <a:prstGeom prst="rect">
             <a:avLst/>
@@ -9611,7 +9748,7 @@
         <p:spPr>
           <a:xfrm>
             <a:off x="2286000" y="420120"/>
-            <a:ext cx="6917760" cy="497520"/>
+            <a:ext cx="6917040" cy="497520"/>
           </a:xfrm>
           <a:prstGeom prst="rect">
             <a:avLst/>
@@ -9706,7 +9843,7 @@
         <p:spPr>
           <a:xfrm>
             <a:off x="2286000" y="420120"/>
-            <a:ext cx="6917760" cy="497520"/>
+            <a:ext cx="6917040" cy="497520"/>
           </a:xfrm>
           <a:prstGeom prst="rect">
             <a:avLst/>
@@ -9763,7 +9900,7 @@
         <p:spPr>
           <a:xfrm>
             <a:off x="460080" y="3494880"/>
-            <a:ext cx="7926840" cy="477720"/>
+            <a:ext cx="7926120" cy="477720"/>
           </a:xfrm>
           <a:prstGeom prst="rect">
             <a:avLst/>
@@ -9842,7 +9979,7 @@
         <p:spPr>
           <a:xfrm>
             <a:off x="5729400" y="4798800"/>
-            <a:ext cx="3267360" cy="216720"/>
+            <a:ext cx="3266640" cy="216720"/>
           </a:xfrm>
           <a:prstGeom prst="rect">
             <a:avLst/>
@@ -9899,7 +10036,7 @@
         <p:spPr>
           <a:xfrm>
             <a:off x="351000" y="1459440"/>
-            <a:ext cx="7926840" cy="1811520"/>
+            <a:ext cx="7926120" cy="1811520"/>
           </a:xfrm>
           <a:prstGeom prst="rect">
             <a:avLst/>
@@ -10136,7 +10273,7 @@
         <p:spPr>
           <a:xfrm>
             <a:off x="2270160" y="414000"/>
-            <a:ext cx="6917760" cy="497520"/>
+            <a:ext cx="6917040" cy="497520"/>
           </a:xfrm>
           <a:prstGeom prst="rect">
             <a:avLst/>
@@ -10192,8 +10329,8 @@
         </p:nvSpPr>
         <p:spPr>
           <a:xfrm>
-            <a:off x="351000" y="1459440"/>
-            <a:ext cx="7926840" cy="1598760"/>
+            <a:off x="360000" y="1461240"/>
+            <a:ext cx="7926120" cy="1598760"/>
           </a:xfrm>
           <a:prstGeom prst="rect">
             <a:avLst/>
@@ -10330,7 +10467,7 @@
         <p:spPr>
           <a:xfrm>
             <a:off x="5729400" y="4798800"/>
-            <a:ext cx="3267360" cy="216720"/>
+            <a:ext cx="3266640" cy="216720"/>
           </a:xfrm>
           <a:prstGeom prst="rect">
             <a:avLst/>
@@ -10425,7 +10562,7 @@
         <p:spPr>
           <a:xfrm>
             <a:off x="2270160" y="414000"/>
-            <a:ext cx="6917760" cy="497520"/>
+            <a:ext cx="6917040" cy="497520"/>
           </a:xfrm>
           <a:prstGeom prst="rect">
             <a:avLst/>
@@ -10482,7 +10619,7 @@
         <p:spPr>
           <a:xfrm>
             <a:off x="351000" y="1459440"/>
-            <a:ext cx="7926840" cy="1641600"/>
+            <a:ext cx="7926120" cy="1641600"/>
           </a:xfrm>
           <a:prstGeom prst="rect">
             <a:avLst/>
@@ -10629,7 +10766,7 @@
         <p:spPr>
           <a:xfrm>
             <a:off x="5729400" y="4798800"/>
-            <a:ext cx="3267000" cy="216720"/>
+            <a:ext cx="3266280" cy="216720"/>
           </a:xfrm>
           <a:prstGeom prst="rect">
             <a:avLst/>
@@ -10724,7 +10861,7 @@
         <p:spPr>
           <a:xfrm>
             <a:off x="2270160" y="435600"/>
-            <a:ext cx="6917760" cy="497520"/>
+            <a:ext cx="6917040" cy="497520"/>
           </a:xfrm>
           <a:prstGeom prst="rect">
             <a:avLst/>
@@ -10781,7 +10918,7 @@
         <p:spPr>
           <a:xfrm>
             <a:off x="442080" y="3716640"/>
-            <a:ext cx="7926840" cy="684720"/>
+            <a:ext cx="7926120" cy="684720"/>
           </a:xfrm>
           <a:prstGeom prst="rect">
             <a:avLst/>
@@ -10876,7 +11013,7 @@
         <p:spPr>
           <a:xfrm>
             <a:off x="5729400" y="4798800"/>
-            <a:ext cx="3267360" cy="216720"/>
+            <a:ext cx="3266640" cy="216720"/>
           </a:xfrm>
           <a:prstGeom prst="rect">
             <a:avLst/>
@@ -10933,7 +11070,7 @@
         <p:spPr>
           <a:xfrm>
             <a:off x="351000" y="1459440"/>
-            <a:ext cx="7926840" cy="1385640"/>
+            <a:ext cx="7926120" cy="1385280"/>
           </a:xfrm>
           <a:prstGeom prst="rect">
             <a:avLst/>
@@ -11094,7 +11231,7 @@
         <p:spPr>
           <a:xfrm>
             <a:off x="5508000" y="1243800"/>
-            <a:ext cx="3286080" cy="3286080"/>
+            <a:ext cx="3285360" cy="3285360"/>
           </a:xfrm>
           <a:prstGeom prst="rect">
             <a:avLst/>
@@ -11151,7 +11288,7 @@
         <p:spPr>
           <a:xfrm>
             <a:off x="385200" y="1171800"/>
-            <a:ext cx="8138160" cy="1278360"/>
+            <a:ext cx="8137440" cy="1278360"/>
           </a:xfrm>
           <a:prstGeom prst="rect">
             <a:avLst/>
@@ -11296,7 +11433,7 @@
         <p:spPr>
           <a:xfrm>
             <a:off x="5434920" y="-2880"/>
-            <a:ext cx="3708000" cy="216720"/>
+            <a:ext cx="3707280" cy="216720"/>
           </a:xfrm>
           <a:prstGeom prst="rect">
             <a:avLst/>
@@ -11353,7 +11490,7 @@
         <p:spPr>
           <a:xfrm>
             <a:off x="2270160" y="435600"/>
-            <a:ext cx="6917760" cy="497520"/>
+            <a:ext cx="6917040" cy="497520"/>
           </a:xfrm>
           <a:prstGeom prst="rect">
             <a:avLst/>
@@ -11448,15 +11585,15 @@
         <p:spPr>
           <a:xfrm>
             <a:off x="587520" y="1388160"/>
-            <a:ext cx="8041320" cy="1182600"/>
+            <a:ext cx="8040600" cy="1181880"/>
           </a:xfrm>
           <a:custGeom>
             <a:avLst/>
             <a:gdLst>
-              <a:gd name="textAreaLeft" fmla="*/ 0 w 8041320"/>
-              <a:gd name="textAreaRight" fmla="*/ 8042400 w 8041320"/>
-              <a:gd name="textAreaTop" fmla="*/ 0 h 1182600"/>
-              <a:gd name="textAreaBottom" fmla="*/ 1183680 h 1182600"/>
+              <a:gd name="textAreaLeft" fmla="*/ 0 w 8040600"/>
+              <a:gd name="textAreaRight" fmla="*/ 8042400 w 8040600"/>
+              <a:gd name="textAreaTop" fmla="*/ 0 h 1181880"/>
+              <a:gd name="textAreaBottom" fmla="*/ 1183680 h 1181880"/>
             </a:gdLst>
             <a:ahLst/>
             <a:rect l="textAreaLeft" t="textAreaTop" r="textAreaRight" b="textAreaBottom"/>
@@ -11539,7 +11676,7 @@
         <p:spPr>
           <a:xfrm>
             <a:off x="664560" y="1500840"/>
-            <a:ext cx="2580120" cy="212760"/>
+            <a:ext cx="2579400" cy="212760"/>
           </a:xfrm>
           <a:prstGeom prst="rect">
             <a:avLst/>
@@ -11596,15 +11733,15 @@
         <p:spPr>
           <a:xfrm>
             <a:off x="587520" y="2871720"/>
-            <a:ext cx="8041320" cy="1182600"/>
+            <a:ext cx="8040600" cy="1181880"/>
           </a:xfrm>
           <a:custGeom>
             <a:avLst/>
             <a:gdLst>
-              <a:gd name="textAreaLeft" fmla="*/ 0 w 8041320"/>
-              <a:gd name="textAreaRight" fmla="*/ 8042400 w 8041320"/>
-              <a:gd name="textAreaTop" fmla="*/ 0 h 1182600"/>
-              <a:gd name="textAreaBottom" fmla="*/ 1183680 h 1182600"/>
+              <a:gd name="textAreaLeft" fmla="*/ 0 w 8040600"/>
+              <a:gd name="textAreaRight" fmla="*/ 8042400 w 8040600"/>
+              <a:gd name="textAreaTop" fmla="*/ 0 h 1181880"/>
+              <a:gd name="textAreaBottom" fmla="*/ 1183680 h 1181880"/>
             </a:gdLst>
             <a:ahLst/>
             <a:rect l="textAreaLeft" t="textAreaTop" r="textAreaRight" b="textAreaBottom"/>
@@ -11687,7 +11824,7 @@
         <p:spPr>
           <a:xfrm>
             <a:off x="664560" y="3021480"/>
-            <a:ext cx="1868760" cy="212760"/>
+            <a:ext cx="1868040" cy="212760"/>
           </a:xfrm>
           <a:prstGeom prst="rect">
             <a:avLst/>
@@ -11744,7 +11881,7 @@
         <p:spPr>
           <a:xfrm>
             <a:off x="2270160" y="874440"/>
-            <a:ext cx="5671800" cy="212760"/>
+            <a:ext cx="5671080" cy="212760"/>
           </a:xfrm>
           <a:prstGeom prst="rect">
             <a:avLst/>
@@ -11801,7 +11938,7 @@
         <p:spPr>
           <a:xfrm>
             <a:off x="5729400" y="4798800"/>
-            <a:ext cx="3267360" cy="216720"/>
+            <a:ext cx="3266640" cy="216720"/>
           </a:xfrm>
           <a:prstGeom prst="rect">
             <a:avLst/>
@@ -11858,7 +11995,7 @@
         <p:spPr>
           <a:xfrm>
             <a:off x="2270160" y="435600"/>
-            <a:ext cx="6917760" cy="497520"/>
+            <a:ext cx="6917040" cy="497520"/>
           </a:xfrm>
           <a:prstGeom prst="rect">
             <a:avLst/>
@@ -11953,7 +12090,7 @@
         <p:spPr>
           <a:xfrm>
             <a:off x="2286000" y="430560"/>
-            <a:ext cx="6917760" cy="497520"/>
+            <a:ext cx="6917040" cy="497520"/>
           </a:xfrm>
           <a:prstGeom prst="rect">
             <a:avLst/>
@@ -12010,7 +12147,7 @@
         <p:spPr>
           <a:xfrm>
             <a:off x="2286000" y="851760"/>
-            <a:ext cx="7755480" cy="212760"/>
+            <a:ext cx="7754760" cy="212760"/>
           </a:xfrm>
           <a:prstGeom prst="rect">
             <a:avLst/>
@@ -12067,15 +12204,15 @@
         <p:spPr>
           <a:xfrm>
             <a:off x="550800" y="1364040"/>
-            <a:ext cx="8041320" cy="2839680"/>
+            <a:ext cx="8040600" cy="2838960"/>
           </a:xfrm>
           <a:custGeom>
             <a:avLst/>
             <a:gdLst>
-              <a:gd name="textAreaLeft" fmla="*/ 0 w 8041320"/>
-              <a:gd name="textAreaRight" fmla="*/ 8042400 w 8041320"/>
-              <a:gd name="textAreaTop" fmla="*/ 0 h 2839680"/>
-              <a:gd name="textAreaBottom" fmla="*/ 2840760 h 2839680"/>
+              <a:gd name="textAreaLeft" fmla="*/ 0 w 8040600"/>
+              <a:gd name="textAreaRight" fmla="*/ 8042400 w 8040600"/>
+              <a:gd name="textAreaTop" fmla="*/ 0 h 2838960"/>
+              <a:gd name="textAreaBottom" fmla="*/ 2840760 h 2838960"/>
             </a:gdLst>
             <a:ahLst/>
             <a:rect l="textAreaLeft" t="textAreaTop" r="textAreaRight" b="textAreaBottom"/>
@@ -12158,7 +12295,7 @@
         <p:spPr>
           <a:xfrm>
             <a:off x="5729400" y="4798800"/>
-            <a:ext cx="3267360" cy="216720"/>
+            <a:ext cx="3266640" cy="216720"/>
           </a:xfrm>
           <a:prstGeom prst="rect">
             <a:avLst/>
@@ -12225,7 +12362,7 @@
         <p:spPr>
           <a:xfrm>
             <a:off x="550800" y="1364040"/>
-            <a:ext cx="8041320" cy="1581480"/>
+            <a:ext cx="8040600" cy="1581480"/>
           </a:xfrm>
           <a:prstGeom prst="rect">
             <a:avLst/>
